--- a/lab1_initial.pptx
+++ b/lab1_initial.pptx
@@ -13242,6 +13242,9 @@
   <p:clrMapOvr>
     <a:masterClrMapping/>
   </p:clrMapOvr>
+  <p:transition spd="slow">
+    <p:cover/>
+  </p:transition>
 </p:sldLayout>
 </file>
 
@@ -13417,6 +13420,9 @@
   <p:clrMapOvr>
     <a:masterClrMapping/>
   </p:clrMapOvr>
+  <p:transition spd="slow">
+    <p:cover/>
+  </p:transition>
 </p:sldLayout>
 </file>
 
@@ -13597,6 +13603,9 @@
   <p:clrMapOvr>
     <a:masterClrMapping/>
   </p:clrMapOvr>
+  <p:transition spd="slow">
+    <p:cover/>
+  </p:transition>
 </p:sldLayout>
 </file>
 
@@ -13772,6 +13781,9 @@
   <p:clrMapOvr>
     <a:masterClrMapping/>
   </p:clrMapOvr>
+  <p:transition spd="slow">
+    <p:cover/>
+  </p:transition>
 </p:sldLayout>
 </file>
 
@@ -14030,6 +14042,9 @@
   <p:clrMapOvr>
     <a:masterClrMapping/>
   </p:clrMapOvr>
+  <p:transition spd="slow">
+    <p:cover/>
+  </p:transition>
 </p:sldLayout>
 </file>
 
@@ -14321,6 +14336,9 @@
   <p:clrMapOvr>
     <a:masterClrMapping/>
   </p:clrMapOvr>
+  <p:transition spd="slow">
+    <p:cover/>
+  </p:transition>
 </p:sldLayout>
 </file>
 
@@ -14772,6 +14790,9 @@
   <p:clrMapOvr>
     <a:masterClrMapping/>
   </p:clrMapOvr>
+  <p:transition spd="slow">
+    <p:cover/>
+  </p:transition>
 </p:sldLayout>
 </file>
 
@@ -14887,6 +14908,9 @@
   <p:clrMapOvr>
     <a:masterClrMapping/>
   </p:clrMapOvr>
+  <p:transition spd="slow">
+    <p:cover/>
+  </p:transition>
 </p:sldLayout>
 </file>
 
@@ -14979,6 +15003,9 @@
   <p:clrMapOvr>
     <a:masterClrMapping/>
   </p:clrMapOvr>
+  <p:transition spd="slow">
+    <p:cover/>
+  </p:transition>
 </p:sldLayout>
 </file>
 
@@ -15270,6 +15297,9 @@
   <p:clrMapOvr>
     <a:masterClrMapping/>
   </p:clrMapOvr>
+  <p:transition spd="slow">
+    <p:cover/>
+  </p:transition>
 </p:sldLayout>
 </file>
 
@@ -15551,6 +15581,9 @@
   <p:clrMapOvr>
     <a:masterClrMapping/>
   </p:clrMapOvr>
+  <p:transition spd="slow">
+    <p:cover/>
+  </p:transition>
 </p:sldLayout>
 </file>
 
@@ -15824,6 +15857,9 @@
     <p:sldLayoutId id="2147483850" r:id="rId10"/>
     <p:sldLayoutId id="2147483851" r:id="rId11"/>
   </p:sldLayoutIdLst>
+  <p:transition spd="slow">
+    <p:cover/>
+  </p:transition>
   <p:hf sldNum="0" hdr="0" ftr="0" dt="0"/>
   <p:txStyles>
     <p:titleStyle>
@@ -16226,12 +16262,13 @@
             <a:pPr algn="ctr"/>
             <a:r>
               <a:rPr lang="en-US" altLang="zh-CN" dirty="0"/>
-              <a:t>my</a:t>
+              <a:t>My </a:t>
             </a:r>
             <a:r>
-              <a:rPr lang="zh-CN" altLang="en-US" dirty="0"/>
-              <a:t>酒店管理系统</a:t>
+              <a:rPr lang="zh-CN" altLang="en-US"/>
+              <a:t>携程</a:t>
             </a:r>
+            <a:endParaRPr lang="zh-CN" altLang="en-US" dirty="0"/>
           </a:p>
         </p:txBody>
       </p:sp>
@@ -16295,6 +16332,9 @@
   <p:clrMapOvr>
     <a:masterClrMapping/>
   </p:clrMapOvr>
+  <p:transition spd="slow">
+    <p:cover/>
+  </p:transition>
 </p:sld>
 </file>
 
@@ -16489,6 +16529,9 @@
   <p:clrMapOvr>
     <a:masterClrMapping/>
   </p:clrMapOvr>
+  <p:transition spd="slow">
+    <p:cover/>
+  </p:transition>
 </p:sld>
 </file>
 
@@ -16745,6 +16788,9 @@
   <p:clrMapOvr>
     <a:masterClrMapping/>
   </p:clrMapOvr>
+  <p:transition spd="slow">
+    <p:cover/>
+  </p:transition>
 </p:sld>
 </file>
 
@@ -16837,6 +16883,9 @@
   <p:clrMapOvr>
     <a:masterClrMapping/>
   </p:clrMapOvr>
+  <p:transition spd="slow">
+    <p:cover/>
+  </p:transition>
 </p:sld>
 </file>
 
@@ -17092,6 +17141,9 @@
   <p:clrMapOvr>
     <a:masterClrMapping/>
   </p:clrMapOvr>
+  <p:transition spd="slow">
+    <p:cover/>
+  </p:transition>
 </p:sld>
 </file>
 
@@ -17170,6 +17222,9 @@
   <p:clrMapOvr>
     <a:masterClrMapping/>
   </p:clrMapOvr>
+  <p:transition spd="slow">
+    <p:cover/>
+  </p:transition>
 </p:sld>
 </file>
 
@@ -17245,6 +17300,9 @@
   <p:clrMapOvr>
     <a:masterClrMapping/>
   </p:clrMapOvr>
+  <p:transition spd="slow">
+    <p:cover/>
+  </p:transition>
 </p:sld>
 </file>
 
@@ -17432,6 +17490,9 @@
   <p:clrMapOvr>
     <a:masterClrMapping/>
   </p:clrMapOvr>
+  <p:transition spd="slow">
+    <p:cover/>
+  </p:transition>
 </p:sld>
 </file>
 
@@ -17507,6 +17568,9 @@
   <p:clrMapOvr>
     <a:masterClrMapping/>
   </p:clrMapOvr>
+  <p:transition spd="slow">
+    <p:cover/>
+  </p:transition>
 </p:sld>
 </file>
 
@@ -17632,6 +17696,9 @@
   <p:clrMapOvr>
     <a:masterClrMapping/>
   </p:clrMapOvr>
+  <p:transition spd="slow">
+    <p:cover/>
+  </p:transition>
 </p:sld>
 </file>
 
@@ -17770,6 +17837,9 @@
   <p:clrMapOvr>
     <a:masterClrMapping/>
   </p:clrMapOvr>
+  <p:transition spd="slow">
+    <p:cover/>
+  </p:transition>
 </p:sld>
 </file>
 
@@ -17814,7 +17884,7 @@
       </p:sp>
       <p:pic>
         <p:nvPicPr>
-          <p:cNvPr id="4" name="图片 3"/>
+          <p:cNvPr id="6" name="图片 5"/>
           <p:cNvPicPr>
             <a:picLocks noChangeAspect="1"/>
           </p:cNvPicPr>
@@ -17828,8 +17898,8 @@
         </p:blipFill>
         <p:spPr>
           <a:xfrm>
-            <a:off x="2755524" y="667090"/>
-            <a:ext cx="5997460" cy="5486875"/>
+            <a:off x="8703443" y="923134"/>
+            <a:ext cx="2939087" cy="4692575"/>
           </a:xfrm>
           <a:prstGeom prst="rect">
             <a:avLst/>
@@ -17838,7 +17908,7 @@
       </p:pic>
       <p:pic>
         <p:nvPicPr>
-          <p:cNvPr id="6" name="图片 5"/>
+          <p:cNvPr id="3" name="图片 2"/>
           <p:cNvPicPr>
             <a:picLocks noChangeAspect="1"/>
           </p:cNvPicPr>
@@ -17852,8 +17922,8 @@
         </p:blipFill>
         <p:spPr>
           <a:xfrm>
-            <a:off x="8703443" y="923134"/>
-            <a:ext cx="2939087" cy="4692575"/>
+            <a:off x="2861515" y="738608"/>
+            <a:ext cx="5797835" cy="5380784"/>
           </a:xfrm>
           <a:prstGeom prst="rect">
             <a:avLst/>
@@ -17870,6 +17940,9 @@
   <p:clrMapOvr>
     <a:masterClrMapping/>
   </p:clrMapOvr>
+  <p:transition spd="slow">
+    <p:cover/>
+  </p:transition>
 </p:sld>
 </file>
 

--- a/lab1_initial.pptx
+++ b/lab1_initial.pptx
@@ -15,8 +15,9 @@
     <p:sldId id="267" r:id="rId9"/>
     <p:sldId id="269" r:id="rId10"/>
     <p:sldId id="259" r:id="rId11"/>
-    <p:sldId id="270" r:id="rId12"/>
-    <p:sldId id="271" r:id="rId13"/>
+    <p:sldId id="272" r:id="rId12"/>
+    <p:sldId id="270" r:id="rId13"/>
+    <p:sldId id="271" r:id="rId14"/>
   </p:sldIdLst>
   <p:sldSz cx="12192000" cy="6858000"/>
   <p:notesSz cx="6858000" cy="9144000"/>
@@ -13188,7 +13189,7 @@
             <a:fld id="{5586B75A-687E-405C-8A0B-8D00578BA2C3}" type="datetimeFigureOut">
               <a:rPr lang="en-US" dirty="0"/>
               <a:pPr/>
-              <a:t>3/24/2017</a:t>
+              <a:t>3/29/2017</a:t>
             </a:fld>
             <a:endParaRPr lang="en-US" dirty="0"/>
           </a:p>
@@ -13366,7 +13367,7 @@
             <a:fld id="{5586B75A-687E-405C-8A0B-8D00578BA2C3}" type="datetimeFigureOut">
               <a:rPr lang="en-US" dirty="0"/>
               <a:pPr/>
-              <a:t>3/24/2017</a:t>
+              <a:t>3/29/2017</a:t>
             </a:fld>
             <a:endParaRPr lang="en-US" dirty="0"/>
           </a:p>
@@ -13549,7 +13550,7 @@
             <a:fld id="{5586B75A-687E-405C-8A0B-8D00578BA2C3}" type="datetimeFigureOut">
               <a:rPr lang="en-US" dirty="0"/>
               <a:pPr/>
-              <a:t>3/24/2017</a:t>
+              <a:t>3/29/2017</a:t>
             </a:fld>
             <a:endParaRPr lang="en-US" dirty="0"/>
           </a:p>
@@ -13727,7 +13728,7 @@
             <a:fld id="{5586B75A-687E-405C-8A0B-8D00578BA2C3}" type="datetimeFigureOut">
               <a:rPr lang="en-US" dirty="0"/>
               <a:pPr/>
-              <a:t>3/24/2017</a:t>
+              <a:t>3/29/2017</a:t>
             </a:fld>
             <a:endParaRPr lang="en-US" dirty="0"/>
           </a:p>
@@ -13988,7 +13989,7 @@
             <a:fld id="{5586B75A-687E-405C-8A0B-8D00578BA2C3}" type="datetimeFigureOut">
               <a:rPr lang="en-US" dirty="0"/>
               <a:pPr/>
-              <a:t>3/24/2017</a:t>
+              <a:t>3/29/2017</a:t>
             </a:fld>
             <a:endParaRPr lang="en-US" dirty="0"/>
           </a:p>
@@ -14282,7 +14283,7 @@
             <a:fld id="{5586B75A-687E-405C-8A0B-8D00578BA2C3}" type="datetimeFigureOut">
               <a:rPr lang="en-US" dirty="0"/>
               <a:pPr/>
-              <a:t>3/24/2017</a:t>
+              <a:t>3/29/2017</a:t>
             </a:fld>
             <a:endParaRPr lang="en-US" dirty="0"/>
           </a:p>
@@ -14736,7 +14737,7 @@
             <a:fld id="{5586B75A-687E-405C-8A0B-8D00578BA2C3}" type="datetimeFigureOut">
               <a:rPr lang="en-US" dirty="0"/>
               <a:pPr/>
-              <a:t>3/24/2017</a:t>
+              <a:t>3/29/2017</a:t>
             </a:fld>
             <a:endParaRPr lang="en-US" dirty="0"/>
           </a:p>
@@ -14854,7 +14855,7 @@
             <a:fld id="{5586B75A-687E-405C-8A0B-8D00578BA2C3}" type="datetimeFigureOut">
               <a:rPr lang="en-US" dirty="0"/>
               <a:pPr/>
-              <a:t>3/24/2017</a:t>
+              <a:t>3/29/2017</a:t>
             </a:fld>
             <a:endParaRPr lang="en-US" dirty="0"/>
           </a:p>
@@ -14949,7 +14950,7 @@
             <a:fld id="{5586B75A-687E-405C-8A0B-8D00578BA2C3}" type="datetimeFigureOut">
               <a:rPr lang="en-US" dirty="0"/>
               <a:pPr/>
-              <a:t>3/24/2017</a:t>
+              <a:t>3/29/2017</a:t>
             </a:fld>
             <a:endParaRPr lang="en-US" dirty="0"/>
           </a:p>
@@ -15243,7 +15244,7 @@
             <a:fld id="{5586B75A-687E-405C-8A0B-8D00578BA2C3}" type="datetimeFigureOut">
               <a:rPr lang="en-US" dirty="0"/>
               <a:pPr/>
-              <a:t>3/24/2017</a:t>
+              <a:t>3/29/2017</a:t>
             </a:fld>
             <a:endParaRPr lang="en-US" dirty="0"/>
           </a:p>
@@ -15522,7 +15523,7 @@
             <a:fld id="{5586B75A-687E-405C-8A0B-8D00578BA2C3}" type="datetimeFigureOut">
               <a:rPr lang="en-US" dirty="0"/>
               <a:pPr/>
-              <a:t>3/24/2017</a:t>
+              <a:t>3/29/2017</a:t>
             </a:fld>
             <a:endParaRPr lang="en-US" dirty="0"/>
           </a:p>
@@ -15757,7 +15758,7 @@
             <a:fld id="{5586B75A-687E-405C-8A0B-8D00578BA2C3}" type="datetimeFigureOut">
               <a:rPr lang="en-US" dirty="0"/>
               <a:pPr/>
-              <a:t>3/24/2017</a:t>
+              <a:t>3/29/2017</a:t>
             </a:fld>
             <a:endParaRPr lang="en-US" dirty="0"/>
           </a:p>
@@ -16378,30 +16379,6 @@
           </a:p>
         </p:txBody>
       </p:sp>
-      <p:pic>
-        <p:nvPicPr>
-          <p:cNvPr id="3" name="图片 2"/>
-          <p:cNvPicPr>
-            <a:picLocks noChangeAspect="1"/>
-          </p:cNvPicPr>
-          <p:nvPr/>
-        </p:nvPicPr>
-        <p:blipFill>
-          <a:blip r:embed="rId2"/>
-          <a:stretch>
-            <a:fillRect/>
-          </a:stretch>
-        </p:blipFill>
-        <p:spPr>
-          <a:xfrm>
-            <a:off x="3958700" y="0"/>
-            <a:ext cx="3531596" cy="6668655"/>
-          </a:xfrm>
-          <a:prstGeom prst="rect">
-            <a:avLst/>
-          </a:prstGeom>
-        </p:spPr>
-      </p:pic>
       <p:sp>
         <p:nvSpPr>
           <p:cNvPr id="4" name="文本框 3"/>
@@ -16519,6 +16496,78 @@
           </a:p>
         </p:txBody>
       </p:sp>
+      <p:pic>
+        <p:nvPicPr>
+          <p:cNvPr id="5" name="图片 4"/>
+          <p:cNvPicPr>
+            <a:picLocks noChangeAspect="1"/>
+          </p:cNvPicPr>
+          <p:nvPr/>
+        </p:nvPicPr>
+        <p:blipFill>
+          <a:blip r:embed="rId2"/>
+          <a:stretch>
+            <a:fillRect/>
+          </a:stretch>
+        </p:blipFill>
+        <p:spPr>
+          <a:xfrm>
+            <a:off x="4108136" y="887210"/>
+            <a:ext cx="3975727" cy="1911408"/>
+          </a:xfrm>
+          <a:prstGeom prst="rect">
+            <a:avLst/>
+          </a:prstGeom>
+        </p:spPr>
+      </p:pic>
+      <p:pic>
+        <p:nvPicPr>
+          <p:cNvPr id="6" name="图片 5"/>
+          <p:cNvPicPr>
+            <a:picLocks noChangeAspect="1"/>
+          </p:cNvPicPr>
+          <p:nvPr/>
+        </p:nvPicPr>
+        <p:blipFill>
+          <a:blip r:embed="rId3"/>
+          <a:stretch>
+            <a:fillRect/>
+          </a:stretch>
+        </p:blipFill>
+        <p:spPr>
+          <a:xfrm>
+            <a:off x="4196460" y="3333715"/>
+            <a:ext cx="3199494" cy="1376831"/>
+          </a:xfrm>
+          <a:prstGeom prst="rect">
+            <a:avLst/>
+          </a:prstGeom>
+        </p:spPr>
+      </p:pic>
+      <p:pic>
+        <p:nvPicPr>
+          <p:cNvPr id="7" name="图片 6"/>
+          <p:cNvPicPr>
+            <a:picLocks noChangeAspect="1"/>
+          </p:cNvPicPr>
+          <p:nvPr/>
+        </p:nvPicPr>
+        <p:blipFill>
+          <a:blip r:embed="rId4"/>
+          <a:stretch>
+            <a:fillRect/>
+          </a:stretch>
+        </p:blipFill>
+        <p:spPr>
+          <a:xfrm>
+            <a:off x="3896025" y="5213786"/>
+            <a:ext cx="4024880" cy="974578"/>
+          </a:xfrm>
+          <a:prstGeom prst="rect">
+            <a:avLst/>
+          </a:prstGeom>
+        </p:spPr>
+      </p:pic>
     </p:spTree>
     <p:extLst>
       <p:ext uri="{BB962C8B-B14F-4D97-AF65-F5344CB8AC3E}">
@@ -16536,6 +16585,134 @@
 </file>
 
 <file path=ppt/slides/slide11.xml><?xml version="1.0" encoding="utf-8"?>
+<p:sld xmlns:a="http://schemas.openxmlformats.org/drawingml/2006/main" xmlns:r="http://schemas.openxmlformats.org/officeDocument/2006/relationships" xmlns:p="http://schemas.openxmlformats.org/presentationml/2006/main">
+  <p:cSld>
+    <p:spTree>
+      <p:nvGrpSpPr>
+        <p:cNvPr id="1" name=""/>
+        <p:cNvGrpSpPr/>
+        <p:nvPr/>
+      </p:nvGrpSpPr>
+      <p:grpSpPr>
+        <a:xfrm>
+          <a:off x="0" y="0"/>
+          <a:ext cx="0" cy="0"/>
+          <a:chOff x="0" y="0"/>
+          <a:chExt cx="0" cy="0"/>
+        </a:xfrm>
+      </p:grpSpPr>
+      <p:sp>
+        <p:nvSpPr>
+          <p:cNvPr id="2" name="标题 1"/>
+          <p:cNvSpPr>
+            <a:spLocks noGrp="1"/>
+          </p:cNvSpPr>
+          <p:nvPr>
+            <p:ph type="title"/>
+          </p:nvPr>
+        </p:nvSpPr>
+        <p:spPr/>
+        <p:txBody>
+          <a:bodyPr/>
+          <a:lstStyle/>
+          <a:p>
+            <a:pPr algn="ctr"/>
+            <a:r>
+              <a:rPr lang="zh-CN" altLang="en-US" dirty="0"/>
+              <a:t>界面</a:t>
+            </a:r>
+          </a:p>
+        </p:txBody>
+      </p:sp>
+      <p:pic>
+        <p:nvPicPr>
+          <p:cNvPr id="3" name="图片 2"/>
+          <p:cNvPicPr>
+            <a:picLocks noChangeAspect="1"/>
+          </p:cNvPicPr>
+          <p:nvPr/>
+        </p:nvPicPr>
+        <p:blipFill>
+          <a:blip r:embed="rId2"/>
+          <a:stretch>
+            <a:fillRect/>
+          </a:stretch>
+        </p:blipFill>
+        <p:spPr>
+          <a:xfrm>
+            <a:off x="3945411" y="894087"/>
+            <a:ext cx="3063505" cy="2583404"/>
+          </a:xfrm>
+          <a:prstGeom prst="rect">
+            <a:avLst/>
+          </a:prstGeom>
+        </p:spPr>
+      </p:pic>
+      <p:pic>
+        <p:nvPicPr>
+          <p:cNvPr id="5" name="图片 4"/>
+          <p:cNvPicPr>
+            <a:picLocks noChangeAspect="1"/>
+          </p:cNvPicPr>
+          <p:nvPr/>
+        </p:nvPicPr>
+        <p:blipFill>
+          <a:blip r:embed="rId3"/>
+          <a:stretch>
+            <a:fillRect/>
+          </a:stretch>
+        </p:blipFill>
+        <p:spPr>
+          <a:xfrm>
+            <a:off x="7235733" y="858982"/>
+            <a:ext cx="4282707" cy="2976118"/>
+          </a:xfrm>
+          <a:prstGeom prst="rect">
+            <a:avLst/>
+          </a:prstGeom>
+        </p:spPr>
+      </p:pic>
+      <p:pic>
+        <p:nvPicPr>
+          <p:cNvPr id="6" name="图片 5"/>
+          <p:cNvPicPr>
+            <a:picLocks noChangeAspect="1"/>
+          </p:cNvPicPr>
+          <p:nvPr/>
+        </p:nvPicPr>
+        <p:blipFill>
+          <a:blip r:embed="rId4"/>
+          <a:stretch>
+            <a:fillRect/>
+          </a:stretch>
+        </p:blipFill>
+        <p:spPr>
+          <a:xfrm>
+            <a:off x="4590474" y="3965717"/>
+            <a:ext cx="5200072" cy="2621885"/>
+          </a:xfrm>
+          <a:prstGeom prst="rect">
+            <a:avLst/>
+          </a:prstGeom>
+        </p:spPr>
+      </p:pic>
+    </p:spTree>
+    <p:extLst>
+      <p:ext uri="{BB962C8B-B14F-4D97-AF65-F5344CB8AC3E}">
+        <p14:creationId xmlns:p14="http://schemas.microsoft.com/office/powerpoint/2010/main" val="3123578999"/>
+      </p:ext>
+    </p:extLst>
+  </p:cSld>
+  <p:clrMapOvr>
+    <a:masterClrMapping/>
+  </p:clrMapOvr>
+  <p:transition spd="slow">
+    <p:cover/>
+  </p:transition>
+</p:sld>
+</file>
+
+<file path=ppt/slides/slide12.xml><?xml version="1.0" encoding="utf-8"?>
 <p:sld xmlns:a="http://schemas.openxmlformats.org/drawingml/2006/main" xmlns:r="http://schemas.openxmlformats.org/officeDocument/2006/relationships" xmlns:p="http://schemas.openxmlformats.org/presentationml/2006/main">
   <p:cSld>
     <p:spTree>
@@ -16794,7 +16971,7 @@
 </p:sld>
 </file>
 
-<file path=ppt/slides/slide12.xml><?xml version="1.0" encoding="utf-8"?>
+<file path=ppt/slides/slide13.xml><?xml version="1.0" encoding="utf-8"?>
 <p:sld xmlns:a="http://schemas.openxmlformats.org/drawingml/2006/main" xmlns:r="http://schemas.openxmlformats.org/officeDocument/2006/relationships" xmlns:p="http://schemas.openxmlformats.org/presentationml/2006/main">
   <p:cSld>
     <p:spTree>
@@ -17744,7 +17921,7 @@
       </p:sp>
       <p:pic>
         <p:nvPicPr>
-          <p:cNvPr id="5" name="图片 4"/>
+          <p:cNvPr id="4" name="图片 3"/>
           <p:cNvPicPr>
             <a:picLocks noChangeAspect="1"/>
           </p:cNvPicPr>
@@ -17758,8 +17935,8 @@
         </p:blipFill>
         <p:spPr>
           <a:xfrm>
-            <a:off x="3485764" y="794328"/>
-            <a:ext cx="8298999" cy="3063150"/>
+            <a:off x="3603838" y="1356313"/>
+            <a:ext cx="3119512" cy="1996487"/>
           </a:xfrm>
           <a:prstGeom prst="rect">
             <a:avLst/>
@@ -17768,7 +17945,7 @@
       </p:pic>
       <p:pic>
         <p:nvPicPr>
-          <p:cNvPr id="8" name="图片 7"/>
+          <p:cNvPr id="3" name="图片 2"/>
           <p:cNvPicPr>
             <a:picLocks noChangeAspect="1"/>
           </p:cNvPicPr>
@@ -17782,51 +17959,62 @@
         </p:blipFill>
         <p:spPr>
           <a:xfrm>
-            <a:off x="3785618" y="3784223"/>
-            <a:ext cx="6004568" cy="1332721"/>
+            <a:off x="5934055" y="1324212"/>
+            <a:ext cx="3553633" cy="2277969"/>
           </a:xfrm>
           <a:prstGeom prst="rect">
             <a:avLst/>
           </a:prstGeom>
         </p:spPr>
       </p:pic>
-      <p:cxnSp>
-        <p:nvCxnSpPr>
-          <p:cNvPr id="10" name="连接符: 曲线 9"/>
-          <p:cNvCxnSpPr>
-            <a:cxnSpLocks/>
-          </p:cNvCxnSpPr>
+      <p:pic>
+        <p:nvPicPr>
+          <p:cNvPr id="5" name="图片 4"/>
+          <p:cNvPicPr>
+            <a:picLocks noChangeAspect="1"/>
+          </p:cNvPicPr>
           <p:nvPr/>
-        </p:nvCxnSpPr>
+        </p:nvPicPr>
+        <p:blipFill>
+          <a:blip r:embed="rId4"/>
+          <a:stretch>
+            <a:fillRect/>
+          </a:stretch>
+        </p:blipFill>
         <p:spPr>
-          <a:xfrm flipV="1">
-            <a:off x="7998694" y="4091710"/>
-            <a:ext cx="858980" cy="314035"/>
+          <a:xfrm>
+            <a:off x="9385707" y="1488274"/>
+            <a:ext cx="2279819" cy="2153162"/>
           </a:xfrm>
-          <a:prstGeom prst="curvedConnector3">
-            <a:avLst>
-              <a:gd name="adj1" fmla="val 224194"/>
-            </a:avLst>
+          <a:prstGeom prst="rect">
+            <a:avLst/>
           </a:prstGeom>
-          <a:ln>
-            <a:tailEnd type="triangle"/>
-          </a:ln>
         </p:spPr>
-        <p:style>
-          <a:lnRef idx="1">
-            <a:schemeClr val="accent1"/>
-          </a:lnRef>
-          <a:fillRef idx="0">
-            <a:schemeClr val="accent1"/>
-          </a:fillRef>
-          <a:effectRef idx="0">
-            <a:schemeClr val="accent1"/>
-          </a:effectRef>
-          <a:fontRef idx="minor">
-            <a:schemeClr val="tx1"/>
-          </a:fontRef>
-        </p:style>
-      </p:cxnSp>
+      </p:pic>
+      <p:pic>
+        <p:nvPicPr>
+          <p:cNvPr id="6" name="图片 5"/>
+          <p:cNvPicPr>
+            <a:picLocks noChangeAspect="1"/>
+          </p:cNvPicPr>
+          <p:nvPr/>
+        </p:nvPicPr>
+        <p:blipFill>
+          <a:blip r:embed="rId5"/>
+          <a:stretch>
+            <a:fillRect/>
+          </a:stretch>
+        </p:blipFill>
+        <p:spPr>
+          <a:xfrm>
+            <a:off x="4790456" y="3791601"/>
+            <a:ext cx="5534393" cy="2276690"/>
+          </a:xfrm>
+          <a:prstGeom prst="rect">
+            <a:avLst/>
+          </a:prstGeom>
+        </p:spPr>
+      </p:pic>
     </p:spTree>
     <p:extLst>
       <p:ext uri="{BB962C8B-B14F-4D97-AF65-F5344CB8AC3E}">
@@ -17884,7 +18072,7 @@
       </p:sp>
       <p:pic>
         <p:nvPicPr>
-          <p:cNvPr id="6" name="图片 5"/>
+          <p:cNvPr id="4" name="图片 3"/>
           <p:cNvPicPr>
             <a:picLocks noChangeAspect="1"/>
           </p:cNvPicPr>
@@ -17898,8 +18086,8 @@
         </p:blipFill>
         <p:spPr>
           <a:xfrm>
-            <a:off x="8703443" y="923134"/>
-            <a:ext cx="2939087" cy="4692575"/>
+            <a:off x="3971746" y="724888"/>
+            <a:ext cx="2789162" cy="1196444"/>
           </a:xfrm>
           <a:prstGeom prst="rect">
             <a:avLst/>
@@ -17908,7 +18096,7 @@
       </p:pic>
       <p:pic>
         <p:nvPicPr>
-          <p:cNvPr id="3" name="图片 2"/>
+          <p:cNvPr id="5" name="图片 4"/>
           <p:cNvPicPr>
             <a:picLocks noChangeAspect="1"/>
           </p:cNvPicPr>
@@ -17922,8 +18110,80 @@
         </p:blipFill>
         <p:spPr>
           <a:xfrm>
-            <a:off x="2861515" y="738608"/>
-            <a:ext cx="5797835" cy="5380784"/>
+            <a:off x="4309612" y="4044069"/>
+            <a:ext cx="2174314" cy="2174314"/>
+          </a:xfrm>
+          <a:prstGeom prst="rect">
+            <a:avLst/>
+          </a:prstGeom>
+        </p:spPr>
+      </p:pic>
+      <p:pic>
+        <p:nvPicPr>
+          <p:cNvPr id="7" name="图片 6"/>
+          <p:cNvPicPr>
+            <a:picLocks noChangeAspect="1"/>
+          </p:cNvPicPr>
+          <p:nvPr/>
+        </p:nvPicPr>
+        <p:blipFill>
+          <a:blip r:embed="rId4"/>
+          <a:stretch>
+            <a:fillRect/>
+          </a:stretch>
+        </p:blipFill>
+        <p:spPr>
+          <a:xfrm>
+            <a:off x="4019475" y="2061293"/>
+            <a:ext cx="2104233" cy="953918"/>
+          </a:xfrm>
+          <a:prstGeom prst="rect">
+            <a:avLst/>
+          </a:prstGeom>
+        </p:spPr>
+      </p:pic>
+      <p:pic>
+        <p:nvPicPr>
+          <p:cNvPr id="8" name="图片 7"/>
+          <p:cNvPicPr>
+            <a:picLocks noChangeAspect="1"/>
+          </p:cNvPicPr>
+          <p:nvPr/>
+        </p:nvPicPr>
+        <p:blipFill>
+          <a:blip r:embed="rId5"/>
+          <a:stretch>
+            <a:fillRect/>
+          </a:stretch>
+        </p:blipFill>
+        <p:spPr>
+          <a:xfrm>
+            <a:off x="4086650" y="3182824"/>
+            <a:ext cx="2415749" cy="640135"/>
+          </a:xfrm>
+          <a:prstGeom prst="rect">
+            <a:avLst/>
+          </a:prstGeom>
+        </p:spPr>
+      </p:pic>
+      <p:pic>
+        <p:nvPicPr>
+          <p:cNvPr id="9" name="图片 8"/>
+          <p:cNvPicPr>
+            <a:picLocks noChangeAspect="1"/>
+          </p:cNvPicPr>
+          <p:nvPr/>
+        </p:nvPicPr>
+        <p:blipFill>
+          <a:blip r:embed="rId6"/>
+          <a:stretch>
+            <a:fillRect/>
+          </a:stretch>
+        </p:blipFill>
+        <p:spPr>
+          <a:xfrm>
+            <a:off x="7726099" y="0"/>
+            <a:ext cx="2743438" cy="6790008"/>
           </a:xfrm>
           <a:prstGeom prst="rect">
             <a:avLst/>

--- a/lab1_initial.pptx
+++ b/lab1_initial.pptx
@@ -10,14 +10,13 @@
     <p:sldId id="261" r:id="rId4"/>
     <p:sldId id="262" r:id="rId5"/>
     <p:sldId id="264" r:id="rId6"/>
-    <p:sldId id="266" r:id="rId7"/>
-    <p:sldId id="268" r:id="rId8"/>
-    <p:sldId id="267" r:id="rId9"/>
-    <p:sldId id="269" r:id="rId10"/>
-    <p:sldId id="259" r:id="rId11"/>
-    <p:sldId id="272" r:id="rId12"/>
-    <p:sldId id="270" r:id="rId13"/>
-    <p:sldId id="271" r:id="rId14"/>
+    <p:sldId id="268" r:id="rId7"/>
+    <p:sldId id="267" r:id="rId8"/>
+    <p:sldId id="269" r:id="rId9"/>
+    <p:sldId id="259" r:id="rId10"/>
+    <p:sldId id="272" r:id="rId11"/>
+    <p:sldId id="270" r:id="rId12"/>
+    <p:sldId id="271" r:id="rId13"/>
   </p:sldIdLst>
   <p:sldSz cx="12192000" cy="6858000"/>
   <p:notesSz cx="6858000" cy="9144000"/>
@@ -1630,753 +1629,6 @@
 </file>
 
 <file path=ppt/diagrams/colors3.xml><?xml version="1.0" encoding="utf-8"?>
-<dgm:colorsDef xmlns:dgm="http://schemas.openxmlformats.org/drawingml/2006/diagram" xmlns:a="http://schemas.openxmlformats.org/drawingml/2006/main" uniqueId="urn:microsoft.com/office/officeart/2005/8/colors/accent1_2">
-  <dgm:title val=""/>
-  <dgm:desc val=""/>
-  <dgm:catLst>
-    <dgm:cat type="accent1" pri="11200"/>
-  </dgm:catLst>
-  <dgm:styleLbl name="node0">
-    <dgm:fillClrLst meth="repeat">
-      <a:schemeClr val="accent1"/>
-    </dgm:fillClrLst>
-    <dgm:linClrLst meth="repeat">
-      <a:schemeClr val="lt1"/>
-    </dgm:linClrLst>
-    <dgm:effectClrLst/>
-    <dgm:txLinClrLst/>
-    <dgm:txFillClrLst/>
-    <dgm:txEffectClrLst/>
-  </dgm:styleLbl>
-  <dgm:styleLbl name="alignNode1">
-    <dgm:fillClrLst meth="repeat">
-      <a:schemeClr val="accent1"/>
-    </dgm:fillClrLst>
-    <dgm:linClrLst meth="repeat">
-      <a:schemeClr val="accent1"/>
-    </dgm:linClrLst>
-    <dgm:effectClrLst/>
-    <dgm:txLinClrLst/>
-    <dgm:txFillClrLst/>
-    <dgm:txEffectClrLst/>
-  </dgm:styleLbl>
-  <dgm:styleLbl name="node1">
-    <dgm:fillClrLst meth="repeat">
-      <a:schemeClr val="accent1"/>
-    </dgm:fillClrLst>
-    <dgm:linClrLst meth="repeat">
-      <a:schemeClr val="lt1"/>
-    </dgm:linClrLst>
-    <dgm:effectClrLst/>
-    <dgm:txLinClrLst/>
-    <dgm:txFillClrLst/>
-    <dgm:txEffectClrLst/>
-  </dgm:styleLbl>
-  <dgm:styleLbl name="lnNode1">
-    <dgm:fillClrLst meth="repeat">
-      <a:schemeClr val="accent1"/>
-    </dgm:fillClrLst>
-    <dgm:linClrLst meth="repeat">
-      <a:schemeClr val="lt1"/>
-    </dgm:linClrLst>
-    <dgm:effectClrLst/>
-    <dgm:txLinClrLst/>
-    <dgm:txFillClrLst/>
-    <dgm:txEffectClrLst/>
-  </dgm:styleLbl>
-  <dgm:styleLbl name="vennNode1">
-    <dgm:fillClrLst meth="repeat">
-      <a:schemeClr val="accent1">
-        <a:alpha val="50000"/>
-      </a:schemeClr>
-    </dgm:fillClrLst>
-    <dgm:linClrLst meth="repeat">
-      <a:schemeClr val="lt1"/>
-    </dgm:linClrLst>
-    <dgm:effectClrLst/>
-    <dgm:txLinClrLst/>
-    <dgm:txFillClrLst/>
-    <dgm:txEffectClrLst/>
-  </dgm:styleLbl>
-  <dgm:styleLbl name="node2">
-    <dgm:fillClrLst meth="repeat">
-      <a:schemeClr val="accent1"/>
-    </dgm:fillClrLst>
-    <dgm:linClrLst meth="repeat">
-      <a:schemeClr val="lt1"/>
-    </dgm:linClrLst>
-    <dgm:effectClrLst/>
-    <dgm:txLinClrLst/>
-    <dgm:txFillClrLst/>
-    <dgm:txEffectClrLst/>
-  </dgm:styleLbl>
-  <dgm:styleLbl name="node3">
-    <dgm:fillClrLst meth="repeat">
-      <a:schemeClr val="accent1"/>
-    </dgm:fillClrLst>
-    <dgm:linClrLst meth="repeat">
-      <a:schemeClr val="lt1"/>
-    </dgm:linClrLst>
-    <dgm:effectClrLst/>
-    <dgm:txLinClrLst/>
-    <dgm:txFillClrLst/>
-    <dgm:txEffectClrLst/>
-  </dgm:styleLbl>
-  <dgm:styleLbl name="node4">
-    <dgm:fillClrLst meth="repeat">
-      <a:schemeClr val="accent1"/>
-    </dgm:fillClrLst>
-    <dgm:linClrLst meth="repeat">
-      <a:schemeClr val="lt1"/>
-    </dgm:linClrLst>
-    <dgm:effectClrLst/>
-    <dgm:txLinClrLst/>
-    <dgm:txFillClrLst/>
-    <dgm:txEffectClrLst/>
-  </dgm:styleLbl>
-  <dgm:styleLbl name="fgImgPlace1">
-    <dgm:fillClrLst meth="repeat">
-      <a:schemeClr val="accent1">
-        <a:tint val="50000"/>
-      </a:schemeClr>
-    </dgm:fillClrLst>
-    <dgm:linClrLst meth="repeat">
-      <a:schemeClr val="lt1"/>
-    </dgm:linClrLst>
-    <dgm:effectClrLst/>
-    <dgm:txLinClrLst/>
-    <dgm:txFillClrLst meth="repeat">
-      <a:schemeClr val="lt1"/>
-    </dgm:txFillClrLst>
-    <dgm:txEffectClrLst/>
-  </dgm:styleLbl>
-  <dgm:styleLbl name="alignImgPlace1">
-    <dgm:fillClrLst meth="repeat">
-      <a:schemeClr val="accent1">
-        <a:tint val="50000"/>
-      </a:schemeClr>
-    </dgm:fillClrLst>
-    <dgm:linClrLst meth="repeat">
-      <a:schemeClr val="lt1"/>
-    </dgm:linClrLst>
-    <dgm:effectClrLst/>
-    <dgm:txLinClrLst/>
-    <dgm:txFillClrLst meth="repeat">
-      <a:schemeClr val="lt1"/>
-    </dgm:txFillClrLst>
-    <dgm:txEffectClrLst/>
-  </dgm:styleLbl>
-  <dgm:styleLbl name="bgImgPlace1">
-    <dgm:fillClrLst meth="repeat">
-      <a:schemeClr val="accent1">
-        <a:tint val="50000"/>
-      </a:schemeClr>
-    </dgm:fillClrLst>
-    <dgm:linClrLst meth="repeat">
-      <a:schemeClr val="lt1"/>
-    </dgm:linClrLst>
-    <dgm:effectClrLst/>
-    <dgm:txLinClrLst/>
-    <dgm:txFillClrLst meth="repeat">
-      <a:schemeClr val="lt1"/>
-    </dgm:txFillClrLst>
-    <dgm:txEffectClrLst/>
-  </dgm:styleLbl>
-  <dgm:styleLbl name="sibTrans2D1">
-    <dgm:fillClrLst meth="repeat">
-      <a:schemeClr val="accent1">
-        <a:tint val="60000"/>
-      </a:schemeClr>
-    </dgm:fillClrLst>
-    <dgm:linClrLst meth="repeat">
-      <a:schemeClr val="accent1">
-        <a:tint val="60000"/>
-      </a:schemeClr>
-    </dgm:linClrLst>
-    <dgm:effectClrLst/>
-    <dgm:txLinClrLst/>
-    <dgm:txFillClrLst/>
-    <dgm:txEffectClrLst/>
-  </dgm:styleLbl>
-  <dgm:styleLbl name="fgSibTrans2D1">
-    <dgm:fillClrLst meth="repeat">
-      <a:schemeClr val="accent1">
-        <a:tint val="60000"/>
-      </a:schemeClr>
-    </dgm:fillClrLst>
-    <dgm:linClrLst meth="repeat">
-      <a:schemeClr val="accent1">
-        <a:tint val="60000"/>
-      </a:schemeClr>
-    </dgm:linClrLst>
-    <dgm:effectClrLst/>
-    <dgm:txLinClrLst/>
-    <dgm:txFillClrLst/>
-    <dgm:txEffectClrLst/>
-  </dgm:styleLbl>
-  <dgm:styleLbl name="bgSibTrans2D1">
-    <dgm:fillClrLst meth="repeat">
-      <a:schemeClr val="accent1">
-        <a:tint val="60000"/>
-      </a:schemeClr>
-    </dgm:fillClrLst>
-    <dgm:linClrLst meth="repeat">
-      <a:schemeClr val="accent1">
-        <a:tint val="60000"/>
-      </a:schemeClr>
-    </dgm:linClrLst>
-    <dgm:effectClrLst/>
-    <dgm:txLinClrLst/>
-    <dgm:txFillClrLst/>
-    <dgm:txEffectClrLst/>
-  </dgm:styleLbl>
-  <dgm:styleLbl name="sibTrans1D1">
-    <dgm:fillClrLst meth="repeat">
-      <a:schemeClr val="accent1"/>
-    </dgm:fillClrLst>
-    <dgm:linClrLst meth="repeat">
-      <a:schemeClr val="accent1"/>
-    </dgm:linClrLst>
-    <dgm:effectClrLst/>
-    <dgm:txLinClrLst/>
-    <dgm:txFillClrLst meth="repeat">
-      <a:schemeClr val="tx1"/>
-    </dgm:txFillClrLst>
-    <dgm:txEffectClrLst/>
-  </dgm:styleLbl>
-  <dgm:styleLbl name="callout">
-    <dgm:fillClrLst meth="repeat">
-      <a:schemeClr val="accent1"/>
-    </dgm:fillClrLst>
-    <dgm:linClrLst meth="repeat">
-      <a:schemeClr val="accent1">
-        <a:tint val="50000"/>
-      </a:schemeClr>
-    </dgm:linClrLst>
-    <dgm:effectClrLst/>
-    <dgm:txLinClrLst/>
-    <dgm:txFillClrLst meth="repeat">
-      <a:schemeClr val="tx1"/>
-    </dgm:txFillClrLst>
-    <dgm:txEffectClrLst/>
-  </dgm:styleLbl>
-  <dgm:styleLbl name="asst0">
-    <dgm:fillClrLst meth="repeat">
-      <a:schemeClr val="accent1"/>
-    </dgm:fillClrLst>
-    <dgm:linClrLst meth="repeat">
-      <a:schemeClr val="lt1"/>
-    </dgm:linClrLst>
-    <dgm:effectClrLst/>
-    <dgm:txLinClrLst/>
-    <dgm:txFillClrLst/>
-    <dgm:txEffectClrLst/>
-  </dgm:styleLbl>
-  <dgm:styleLbl name="asst1">
-    <dgm:fillClrLst meth="repeat">
-      <a:schemeClr val="accent1"/>
-    </dgm:fillClrLst>
-    <dgm:linClrLst meth="repeat">
-      <a:schemeClr val="lt1"/>
-    </dgm:linClrLst>
-    <dgm:effectClrLst/>
-    <dgm:txLinClrLst/>
-    <dgm:txFillClrLst/>
-    <dgm:txEffectClrLst/>
-  </dgm:styleLbl>
-  <dgm:styleLbl name="asst2">
-    <dgm:fillClrLst meth="repeat">
-      <a:schemeClr val="accent1"/>
-    </dgm:fillClrLst>
-    <dgm:linClrLst meth="repeat">
-      <a:schemeClr val="lt1"/>
-    </dgm:linClrLst>
-    <dgm:effectClrLst/>
-    <dgm:txLinClrLst/>
-    <dgm:txFillClrLst/>
-    <dgm:txEffectClrLst/>
-  </dgm:styleLbl>
-  <dgm:styleLbl name="asst3">
-    <dgm:fillClrLst meth="repeat">
-      <a:schemeClr val="accent1"/>
-    </dgm:fillClrLst>
-    <dgm:linClrLst meth="repeat">
-      <a:schemeClr val="lt1"/>
-    </dgm:linClrLst>
-    <dgm:effectClrLst/>
-    <dgm:txLinClrLst/>
-    <dgm:txFillClrLst/>
-    <dgm:txEffectClrLst/>
-  </dgm:styleLbl>
-  <dgm:styleLbl name="asst4">
-    <dgm:fillClrLst meth="repeat">
-      <a:schemeClr val="accent1"/>
-    </dgm:fillClrLst>
-    <dgm:linClrLst meth="repeat">
-      <a:schemeClr val="lt1"/>
-    </dgm:linClrLst>
-    <dgm:effectClrLst/>
-    <dgm:txLinClrLst/>
-    <dgm:txFillClrLst/>
-    <dgm:txEffectClrLst/>
-  </dgm:styleLbl>
-  <dgm:styleLbl name="parChTrans2D1">
-    <dgm:fillClrLst meth="repeat">
-      <a:schemeClr val="accent1">
-        <a:tint val="60000"/>
-      </a:schemeClr>
-    </dgm:fillClrLst>
-    <dgm:linClrLst meth="repeat">
-      <a:schemeClr val="accent1">
-        <a:tint val="60000"/>
-      </a:schemeClr>
-    </dgm:linClrLst>
-    <dgm:effectClrLst/>
-    <dgm:txLinClrLst/>
-    <dgm:txFillClrLst meth="repeat">
-      <a:schemeClr val="lt1"/>
-    </dgm:txFillClrLst>
-    <dgm:txEffectClrLst/>
-  </dgm:styleLbl>
-  <dgm:styleLbl name="parChTrans2D2">
-    <dgm:fillClrLst meth="repeat">
-      <a:schemeClr val="accent1"/>
-    </dgm:fillClrLst>
-    <dgm:linClrLst meth="repeat">
-      <a:schemeClr val="accent1"/>
-    </dgm:linClrLst>
-    <dgm:effectClrLst/>
-    <dgm:txLinClrLst/>
-    <dgm:txFillClrLst meth="repeat">
-      <a:schemeClr val="lt1"/>
-    </dgm:txFillClrLst>
-    <dgm:txEffectClrLst/>
-  </dgm:styleLbl>
-  <dgm:styleLbl name="parChTrans2D3">
-    <dgm:fillClrLst meth="repeat">
-      <a:schemeClr val="accent1"/>
-    </dgm:fillClrLst>
-    <dgm:linClrLst meth="repeat">
-      <a:schemeClr val="accent1"/>
-    </dgm:linClrLst>
-    <dgm:effectClrLst/>
-    <dgm:txLinClrLst/>
-    <dgm:txFillClrLst meth="repeat">
-      <a:schemeClr val="lt1"/>
-    </dgm:txFillClrLst>
-    <dgm:txEffectClrLst/>
-  </dgm:styleLbl>
-  <dgm:styleLbl name="parChTrans2D4">
-    <dgm:fillClrLst meth="repeat">
-      <a:schemeClr val="accent1"/>
-    </dgm:fillClrLst>
-    <dgm:linClrLst meth="repeat">
-      <a:schemeClr val="accent1"/>
-    </dgm:linClrLst>
-    <dgm:effectClrLst/>
-    <dgm:txLinClrLst/>
-    <dgm:txFillClrLst meth="repeat">
-      <a:schemeClr val="lt1"/>
-    </dgm:txFillClrLst>
-    <dgm:txEffectClrLst/>
-  </dgm:styleLbl>
-  <dgm:styleLbl name="parChTrans1D1">
-    <dgm:fillClrLst meth="repeat">
-      <a:schemeClr val="accent1"/>
-    </dgm:fillClrLst>
-    <dgm:linClrLst meth="repeat">
-      <a:schemeClr val="accent1">
-        <a:shade val="60000"/>
-      </a:schemeClr>
-    </dgm:linClrLst>
-    <dgm:effectClrLst/>
-    <dgm:txLinClrLst/>
-    <dgm:txFillClrLst meth="repeat">
-      <a:schemeClr val="tx1"/>
-    </dgm:txFillClrLst>
-    <dgm:txEffectClrLst/>
-  </dgm:styleLbl>
-  <dgm:styleLbl name="parChTrans1D2">
-    <dgm:fillClrLst meth="repeat">
-      <a:schemeClr val="accent1"/>
-    </dgm:fillClrLst>
-    <dgm:linClrLst meth="repeat">
-      <a:schemeClr val="accent1">
-        <a:shade val="60000"/>
-      </a:schemeClr>
-    </dgm:linClrLst>
-    <dgm:effectClrLst/>
-    <dgm:txLinClrLst/>
-    <dgm:txFillClrLst meth="repeat">
-      <a:schemeClr val="tx1"/>
-    </dgm:txFillClrLst>
-    <dgm:txEffectClrLst/>
-  </dgm:styleLbl>
-  <dgm:styleLbl name="parChTrans1D3">
-    <dgm:fillClrLst meth="repeat">
-      <a:schemeClr val="accent1"/>
-    </dgm:fillClrLst>
-    <dgm:linClrLst meth="repeat">
-      <a:schemeClr val="accent1">
-        <a:shade val="80000"/>
-      </a:schemeClr>
-    </dgm:linClrLst>
-    <dgm:effectClrLst/>
-    <dgm:txLinClrLst/>
-    <dgm:txFillClrLst meth="repeat">
-      <a:schemeClr val="tx1"/>
-    </dgm:txFillClrLst>
-    <dgm:txEffectClrLst/>
-  </dgm:styleLbl>
-  <dgm:styleLbl name="parChTrans1D4">
-    <dgm:fillClrLst meth="repeat">
-      <a:schemeClr val="accent1"/>
-    </dgm:fillClrLst>
-    <dgm:linClrLst meth="repeat">
-      <a:schemeClr val="accent1">
-        <a:shade val="80000"/>
-      </a:schemeClr>
-    </dgm:linClrLst>
-    <dgm:effectClrLst/>
-    <dgm:txLinClrLst/>
-    <dgm:txFillClrLst meth="repeat">
-      <a:schemeClr val="tx1"/>
-    </dgm:txFillClrLst>
-    <dgm:txEffectClrLst/>
-  </dgm:styleLbl>
-  <dgm:styleLbl name="fgAcc1">
-    <dgm:fillClrLst meth="repeat">
-      <a:schemeClr val="lt1">
-        <a:alpha val="90000"/>
-      </a:schemeClr>
-    </dgm:fillClrLst>
-    <dgm:linClrLst meth="repeat">
-      <a:schemeClr val="accent1"/>
-    </dgm:linClrLst>
-    <dgm:effectClrLst/>
-    <dgm:txLinClrLst/>
-    <dgm:txFillClrLst meth="repeat">
-      <a:schemeClr val="dk1"/>
-    </dgm:txFillClrLst>
-    <dgm:txEffectClrLst/>
-  </dgm:styleLbl>
-  <dgm:styleLbl name="conFgAcc1">
-    <dgm:fillClrLst meth="repeat">
-      <a:schemeClr val="lt1">
-        <a:alpha val="90000"/>
-      </a:schemeClr>
-    </dgm:fillClrLst>
-    <dgm:linClrLst meth="repeat">
-      <a:schemeClr val="accent1"/>
-    </dgm:linClrLst>
-    <dgm:effectClrLst/>
-    <dgm:txLinClrLst/>
-    <dgm:txFillClrLst meth="repeat">
-      <a:schemeClr val="dk1"/>
-    </dgm:txFillClrLst>
-    <dgm:txEffectClrLst/>
-  </dgm:styleLbl>
-  <dgm:styleLbl name="alignAcc1">
-    <dgm:fillClrLst meth="repeat">
-      <a:schemeClr val="lt1">
-        <a:alpha val="90000"/>
-      </a:schemeClr>
-    </dgm:fillClrLst>
-    <dgm:linClrLst meth="repeat">
-      <a:schemeClr val="accent1"/>
-    </dgm:linClrLst>
-    <dgm:effectClrLst/>
-    <dgm:txLinClrLst/>
-    <dgm:txFillClrLst meth="repeat">
-      <a:schemeClr val="dk1"/>
-    </dgm:txFillClrLst>
-    <dgm:txEffectClrLst/>
-  </dgm:styleLbl>
-  <dgm:styleLbl name="trAlignAcc1">
-    <dgm:fillClrLst meth="repeat">
-      <a:schemeClr val="lt1">
-        <a:alpha val="40000"/>
-      </a:schemeClr>
-    </dgm:fillClrLst>
-    <dgm:linClrLst meth="repeat">
-      <a:schemeClr val="accent1"/>
-    </dgm:linClrLst>
-    <dgm:effectClrLst/>
-    <dgm:txLinClrLst/>
-    <dgm:txFillClrLst meth="repeat">
-      <a:schemeClr val="dk1"/>
-    </dgm:txFillClrLst>
-    <dgm:txEffectClrLst/>
-  </dgm:styleLbl>
-  <dgm:styleLbl name="bgAcc1">
-    <dgm:fillClrLst meth="repeat">
-      <a:schemeClr val="lt1">
-        <a:alpha val="90000"/>
-      </a:schemeClr>
-    </dgm:fillClrLst>
-    <dgm:linClrLst meth="repeat">
-      <a:schemeClr val="accent1"/>
-    </dgm:linClrLst>
-    <dgm:effectClrLst/>
-    <dgm:txLinClrLst/>
-    <dgm:txFillClrLst meth="repeat">
-      <a:schemeClr val="dk1"/>
-    </dgm:txFillClrLst>
-    <dgm:txEffectClrLst/>
-  </dgm:styleLbl>
-  <dgm:styleLbl name="solidFgAcc1">
-    <dgm:fillClrLst meth="repeat">
-      <a:schemeClr val="lt1"/>
-    </dgm:fillClrLst>
-    <dgm:linClrLst meth="repeat">
-      <a:schemeClr val="accent1"/>
-    </dgm:linClrLst>
-    <dgm:effectClrLst/>
-    <dgm:txLinClrLst/>
-    <dgm:txFillClrLst meth="repeat">
-      <a:schemeClr val="dk1"/>
-    </dgm:txFillClrLst>
-    <dgm:txEffectClrLst/>
-  </dgm:styleLbl>
-  <dgm:styleLbl name="solidAlignAcc1">
-    <dgm:fillClrLst meth="repeat">
-      <a:schemeClr val="lt1"/>
-    </dgm:fillClrLst>
-    <dgm:linClrLst meth="repeat">
-      <a:schemeClr val="accent1"/>
-    </dgm:linClrLst>
-    <dgm:effectClrLst/>
-    <dgm:txLinClrLst/>
-    <dgm:txFillClrLst meth="repeat">
-      <a:schemeClr val="dk1"/>
-    </dgm:txFillClrLst>
-    <dgm:txEffectClrLst/>
-  </dgm:styleLbl>
-  <dgm:styleLbl name="solidBgAcc1">
-    <dgm:fillClrLst meth="repeat">
-      <a:schemeClr val="lt1"/>
-    </dgm:fillClrLst>
-    <dgm:linClrLst meth="repeat">
-      <a:schemeClr val="accent1"/>
-    </dgm:linClrLst>
-    <dgm:effectClrLst/>
-    <dgm:txLinClrLst/>
-    <dgm:txFillClrLst meth="repeat">
-      <a:schemeClr val="dk1"/>
-    </dgm:txFillClrLst>
-    <dgm:txEffectClrLst/>
-  </dgm:styleLbl>
-  <dgm:styleLbl name="fgAccFollowNode1">
-    <dgm:fillClrLst meth="repeat">
-      <a:schemeClr val="accent1">
-        <a:alpha val="90000"/>
-        <a:tint val="40000"/>
-      </a:schemeClr>
-    </dgm:fillClrLst>
-    <dgm:linClrLst meth="repeat">
-      <a:schemeClr val="accent1">
-        <a:alpha val="90000"/>
-        <a:tint val="40000"/>
-      </a:schemeClr>
-    </dgm:linClrLst>
-    <dgm:effectClrLst/>
-    <dgm:txLinClrLst/>
-    <dgm:txFillClrLst meth="repeat">
-      <a:schemeClr val="dk1"/>
-    </dgm:txFillClrLst>
-    <dgm:txEffectClrLst/>
-  </dgm:styleLbl>
-  <dgm:styleLbl name="alignAccFollowNode1">
-    <dgm:fillClrLst meth="repeat">
-      <a:schemeClr val="accent1">
-        <a:alpha val="90000"/>
-        <a:tint val="40000"/>
-      </a:schemeClr>
-    </dgm:fillClrLst>
-    <dgm:linClrLst meth="repeat">
-      <a:schemeClr val="accent1">
-        <a:alpha val="90000"/>
-        <a:tint val="40000"/>
-      </a:schemeClr>
-    </dgm:linClrLst>
-    <dgm:effectClrLst/>
-    <dgm:txLinClrLst/>
-    <dgm:txFillClrLst meth="repeat">
-      <a:schemeClr val="dk1"/>
-    </dgm:txFillClrLst>
-    <dgm:txEffectClrLst/>
-  </dgm:styleLbl>
-  <dgm:styleLbl name="bgAccFollowNode1">
-    <dgm:fillClrLst meth="repeat">
-      <a:schemeClr val="accent1">
-        <a:alpha val="90000"/>
-        <a:tint val="40000"/>
-      </a:schemeClr>
-    </dgm:fillClrLst>
-    <dgm:linClrLst meth="repeat">
-      <a:schemeClr val="accent1">
-        <a:alpha val="90000"/>
-        <a:tint val="40000"/>
-      </a:schemeClr>
-    </dgm:linClrLst>
-    <dgm:effectClrLst/>
-    <dgm:txLinClrLst/>
-    <dgm:txFillClrLst meth="repeat">
-      <a:schemeClr val="dk1"/>
-    </dgm:txFillClrLst>
-    <dgm:txEffectClrLst/>
-  </dgm:styleLbl>
-  <dgm:styleLbl name="fgAcc0">
-    <dgm:fillClrLst meth="repeat">
-      <a:schemeClr val="lt1">
-        <a:alpha val="90000"/>
-      </a:schemeClr>
-    </dgm:fillClrLst>
-    <dgm:linClrLst meth="repeat">
-      <a:schemeClr val="accent1"/>
-    </dgm:linClrLst>
-    <dgm:effectClrLst/>
-    <dgm:txLinClrLst/>
-    <dgm:txFillClrLst meth="repeat">
-      <a:schemeClr val="dk1"/>
-    </dgm:txFillClrLst>
-    <dgm:txEffectClrLst/>
-  </dgm:styleLbl>
-  <dgm:styleLbl name="fgAcc2">
-    <dgm:fillClrLst meth="repeat">
-      <a:schemeClr val="lt1">
-        <a:alpha val="90000"/>
-      </a:schemeClr>
-    </dgm:fillClrLst>
-    <dgm:linClrLst meth="repeat">
-      <a:schemeClr val="accent1"/>
-    </dgm:linClrLst>
-    <dgm:effectClrLst/>
-    <dgm:txLinClrLst/>
-    <dgm:txFillClrLst meth="repeat">
-      <a:schemeClr val="dk1"/>
-    </dgm:txFillClrLst>
-    <dgm:txEffectClrLst/>
-  </dgm:styleLbl>
-  <dgm:styleLbl name="fgAcc3">
-    <dgm:fillClrLst meth="repeat">
-      <a:schemeClr val="lt1">
-        <a:alpha val="90000"/>
-      </a:schemeClr>
-    </dgm:fillClrLst>
-    <dgm:linClrLst meth="repeat">
-      <a:schemeClr val="accent1"/>
-    </dgm:linClrLst>
-    <dgm:effectClrLst/>
-    <dgm:txLinClrLst/>
-    <dgm:txFillClrLst meth="repeat">
-      <a:schemeClr val="dk1"/>
-    </dgm:txFillClrLst>
-    <dgm:txEffectClrLst/>
-  </dgm:styleLbl>
-  <dgm:styleLbl name="fgAcc4">
-    <dgm:fillClrLst meth="repeat">
-      <a:schemeClr val="lt1">
-        <a:alpha val="90000"/>
-      </a:schemeClr>
-    </dgm:fillClrLst>
-    <dgm:linClrLst meth="repeat">
-      <a:schemeClr val="accent1"/>
-    </dgm:linClrLst>
-    <dgm:effectClrLst/>
-    <dgm:txLinClrLst/>
-    <dgm:txFillClrLst meth="repeat">
-      <a:schemeClr val="dk1"/>
-    </dgm:txFillClrLst>
-    <dgm:txEffectClrLst/>
-  </dgm:styleLbl>
-  <dgm:styleLbl name="bgShp">
-    <dgm:fillClrLst meth="repeat">
-      <a:schemeClr val="accent1">
-        <a:tint val="40000"/>
-      </a:schemeClr>
-    </dgm:fillClrLst>
-    <dgm:linClrLst meth="repeat">
-      <a:schemeClr val="accent1"/>
-    </dgm:linClrLst>
-    <dgm:effectClrLst/>
-    <dgm:txLinClrLst/>
-    <dgm:txFillClrLst meth="repeat">
-      <a:schemeClr val="dk1"/>
-    </dgm:txFillClrLst>
-    <dgm:txEffectClrLst/>
-  </dgm:styleLbl>
-  <dgm:styleLbl name="dkBgShp">
-    <dgm:fillClrLst meth="repeat">
-      <a:schemeClr val="accent1">
-        <a:shade val="80000"/>
-      </a:schemeClr>
-    </dgm:fillClrLst>
-    <dgm:linClrLst meth="repeat">
-      <a:schemeClr val="accent1"/>
-    </dgm:linClrLst>
-    <dgm:effectClrLst/>
-    <dgm:txLinClrLst/>
-    <dgm:txFillClrLst meth="repeat">
-      <a:schemeClr val="lt1"/>
-    </dgm:txFillClrLst>
-    <dgm:txEffectClrLst/>
-  </dgm:styleLbl>
-  <dgm:styleLbl name="trBgShp">
-    <dgm:fillClrLst meth="repeat">
-      <a:schemeClr val="accent1">
-        <a:tint val="50000"/>
-        <a:alpha val="40000"/>
-      </a:schemeClr>
-    </dgm:fillClrLst>
-    <dgm:linClrLst meth="repeat">
-      <a:schemeClr val="accent1"/>
-    </dgm:linClrLst>
-    <dgm:effectClrLst/>
-    <dgm:txLinClrLst/>
-    <dgm:txFillClrLst meth="repeat">
-      <a:schemeClr val="lt1"/>
-    </dgm:txFillClrLst>
-    <dgm:txEffectClrLst/>
-  </dgm:styleLbl>
-  <dgm:styleLbl name="fgShp">
-    <dgm:fillClrLst meth="repeat">
-      <a:schemeClr val="accent1">
-        <a:tint val="60000"/>
-      </a:schemeClr>
-    </dgm:fillClrLst>
-    <dgm:linClrLst meth="repeat">
-      <a:schemeClr val="lt1"/>
-    </dgm:linClrLst>
-    <dgm:effectClrLst/>
-    <dgm:txLinClrLst/>
-    <dgm:txFillClrLst meth="repeat">
-      <a:schemeClr val="dk1"/>
-    </dgm:txFillClrLst>
-    <dgm:txEffectClrLst/>
-  </dgm:styleLbl>
-  <dgm:styleLbl name="revTx">
-    <dgm:fillClrLst meth="repeat">
-      <a:schemeClr val="lt1">
-        <a:alpha val="0"/>
-      </a:schemeClr>
-    </dgm:fillClrLst>
-    <dgm:linClrLst meth="repeat">
-      <a:schemeClr val="dk1">
-        <a:alpha val="0"/>
-      </a:schemeClr>
-    </dgm:linClrLst>
-    <dgm:effectClrLst/>
-    <dgm:txLinClrLst/>
-    <dgm:txFillClrLst meth="repeat">
-      <a:schemeClr val="tx1"/>
-    </dgm:txFillClrLst>
-    <dgm:txEffectClrLst/>
-  </dgm:styleLbl>
-</dgm:colorsDef>
-</file>
-
-<file path=ppt/diagrams/colors4.xml><?xml version="1.0" encoding="utf-8"?>
 <dgm:colorsDef xmlns:dgm="http://schemas.openxmlformats.org/drawingml/2006/diagram" xmlns:a="http://schemas.openxmlformats.org/drawingml/2006/main" uniqueId="urn:microsoft.com/office/officeart/2005/8/colors/accent1_2">
   <dgm:title val=""/>
   <dgm:desc val=""/>
@@ -4200,245 +3452,6 @@
     <dgm:cxn modelId="{1A7F5E0E-82DB-4B6E-8908-C33C83BA3A63}" type="presParOf" srcId="{DEB6D11D-33EE-4CB4-8954-8111FAC8260A}" destId="{FA4FCB62-5320-4828-AB58-018DB8DC01EC}" srcOrd="5" destOrd="0" presId="urn:microsoft.com/office/officeart/2008/layout/HorizontalMultiLevelHierarchy"/>
     <dgm:cxn modelId="{1C03E418-D87A-42F6-A96D-080378CC0B43}" type="presParOf" srcId="{FA4FCB62-5320-4828-AB58-018DB8DC01EC}" destId="{3EB9BBF7-68EA-45FB-BF3C-66F6487035C7}" srcOrd="0" destOrd="0" presId="urn:microsoft.com/office/officeart/2008/layout/HorizontalMultiLevelHierarchy"/>
     <dgm:cxn modelId="{35125962-C3A2-420E-A456-01B4D9414F3F}" type="presParOf" srcId="{FA4FCB62-5320-4828-AB58-018DB8DC01EC}" destId="{54F53BBB-BA1D-43A1-9E03-E39373F44B98}" srcOrd="1" destOrd="0" presId="urn:microsoft.com/office/officeart/2008/layout/HorizontalMultiLevelHierarchy"/>
-  </dgm:cxnLst>
-  <dgm:bg/>
-  <dgm:whole/>
-  <dgm:extLst>
-    <a:ext uri="http://schemas.microsoft.com/office/drawing/2008/diagram">
-      <dsp:dataModelExt xmlns:dsp="http://schemas.microsoft.com/office/drawing/2008/diagram" relId="rId6" minVer="http://schemas.openxmlformats.org/drawingml/2006/diagram"/>
-    </a:ext>
-  </dgm:extLst>
-</dgm:dataModel>
-</file>
-
-<file path=ppt/diagrams/data4.xml><?xml version="1.0" encoding="utf-8"?>
-<dgm:dataModel xmlns:dgm="http://schemas.openxmlformats.org/drawingml/2006/diagram" xmlns:a="http://schemas.openxmlformats.org/drawingml/2006/main">
-  <dgm:ptLst>
-    <dgm:pt modelId="{5EAFD0AF-C9DA-47C1-B961-5DF1C7308A7F}" type="doc">
-      <dgm:prSet loTypeId="urn:microsoft.com/office/officeart/2008/layout/HorizontalMultiLevelHierarchy" loCatId="hierarchy" qsTypeId="urn:microsoft.com/office/officeart/2005/8/quickstyle/simple1" qsCatId="simple" csTypeId="urn:microsoft.com/office/officeart/2005/8/colors/accent1_2" csCatId="accent1" phldr="1"/>
-      <dgm:spPr/>
-      <dgm:t>
-        <a:bodyPr/>
-        <a:lstStyle/>
-        <a:p>
-          <a:endParaRPr lang="zh-CN" altLang="en-US"/>
-        </a:p>
-      </dgm:t>
-    </dgm:pt>
-    <dgm:pt modelId="{44B74D68-9835-467D-8F48-E4FF3994B94D}">
-      <dgm:prSet phldrT="[文本]" custT="1"/>
-      <dgm:spPr/>
-      <dgm:t>
-        <a:bodyPr/>
-        <a:lstStyle/>
-        <a:p>
-          <a:r>
-            <a:rPr lang="zh-CN" altLang="en-US" sz="2800" dirty="0"/>
-            <a:t>查看明细</a:t>
-          </a:r>
-        </a:p>
-      </dgm:t>
-    </dgm:pt>
-    <dgm:pt modelId="{8D38FA02-7855-4243-BF67-A5CCB04D217C}" type="parTrans" cxnId="{E166F0C1-C589-4BA0-80CD-B3B22F14E12A}">
-      <dgm:prSet custT="1"/>
-      <dgm:spPr/>
-      <dgm:t>
-        <a:bodyPr/>
-        <a:lstStyle/>
-        <a:p>
-          <a:endParaRPr lang="zh-CN" altLang="en-US" sz="2800"/>
-        </a:p>
-      </dgm:t>
-    </dgm:pt>
-    <dgm:pt modelId="{734A0D7B-A99F-4803-A097-EDFE65BB74AE}" type="sibTrans" cxnId="{E166F0C1-C589-4BA0-80CD-B3B22F14E12A}">
-      <dgm:prSet/>
-      <dgm:spPr/>
-      <dgm:t>
-        <a:bodyPr/>
-        <a:lstStyle/>
-        <a:p>
-          <a:endParaRPr lang="zh-CN" altLang="en-US" sz="2800"/>
-        </a:p>
-      </dgm:t>
-    </dgm:pt>
-    <dgm:pt modelId="{DD7E3D29-C841-4AEE-90D0-CBA9E8381B6B}">
-      <dgm:prSet phldrT="[文本]" custT="1"/>
-      <dgm:spPr/>
-      <dgm:t>
-        <a:bodyPr/>
-        <a:lstStyle/>
-        <a:p>
-          <a:r>
-            <a:rPr lang="zh-CN" altLang="en-US" sz="2800" dirty="0"/>
-            <a:t>查看订单</a:t>
-          </a:r>
-        </a:p>
-      </dgm:t>
-    </dgm:pt>
-    <dgm:pt modelId="{4162C6A4-3286-4BCF-935E-3223D32B5312}" type="sibTrans" cxnId="{E1ECDED5-A580-42AD-A259-C750F8374739}">
-      <dgm:prSet/>
-      <dgm:spPr/>
-      <dgm:t>
-        <a:bodyPr/>
-        <a:lstStyle/>
-        <a:p>
-          <a:endParaRPr lang="zh-CN" altLang="en-US" sz="2800"/>
-        </a:p>
-      </dgm:t>
-    </dgm:pt>
-    <dgm:pt modelId="{0FA5C8F2-8E5A-4649-AEC8-2531B0CE465E}" type="parTrans" cxnId="{E1ECDED5-A580-42AD-A259-C750F8374739}">
-      <dgm:prSet custT="1"/>
-      <dgm:spPr/>
-      <dgm:t>
-        <a:bodyPr/>
-        <a:lstStyle/>
-        <a:p>
-          <a:endParaRPr lang="zh-CN" altLang="en-US" sz="2800"/>
-        </a:p>
-      </dgm:t>
-    </dgm:pt>
-    <dgm:pt modelId="{C0FB6F2F-04D2-4C71-AE2E-AAAFE855727A}">
-      <dgm:prSet phldrT="[文本]" custT="1"/>
-      <dgm:spPr>
-        <a:ln>
-          <a:noFill/>
-        </a:ln>
-      </dgm:spPr>
-      <dgm:t>
-        <a:bodyPr vert="vert"/>
-        <a:lstStyle/>
-        <a:p>
-          <a:r>
-            <a:rPr lang="zh-CN" altLang="en-US" sz="2800" dirty="0"/>
-            <a:t>查房</a:t>
-          </a:r>
-        </a:p>
-      </dgm:t>
-    </dgm:pt>
-    <dgm:pt modelId="{8D9C9A86-98B0-41C2-B1C2-795D97C0F66E}" type="sibTrans" cxnId="{15084295-7603-4539-9A82-4F56AB894B32}">
-      <dgm:prSet/>
-      <dgm:spPr/>
-      <dgm:t>
-        <a:bodyPr/>
-        <a:lstStyle/>
-        <a:p>
-          <a:endParaRPr lang="zh-CN" altLang="en-US" sz="2800"/>
-        </a:p>
-      </dgm:t>
-    </dgm:pt>
-    <dgm:pt modelId="{BEC2A2C4-DD31-4401-AF27-F273224094E3}" type="parTrans" cxnId="{15084295-7603-4539-9A82-4F56AB894B32}">
-      <dgm:prSet/>
-      <dgm:spPr/>
-      <dgm:t>
-        <a:bodyPr/>
-        <a:lstStyle/>
-        <a:p>
-          <a:endParaRPr lang="zh-CN" altLang="en-US" sz="2800"/>
-        </a:p>
-      </dgm:t>
-    </dgm:pt>
-    <dgm:pt modelId="{77CA7E2F-A0B0-4A04-9254-6A5D03849F87}" type="pres">
-      <dgm:prSet presAssocID="{5EAFD0AF-C9DA-47C1-B961-5DF1C7308A7F}" presName="Name0" presStyleCnt="0">
-        <dgm:presLayoutVars>
-          <dgm:chPref val="1"/>
-          <dgm:dir/>
-          <dgm:animOne val="branch"/>
-          <dgm:animLvl val="lvl"/>
-          <dgm:resizeHandles val="exact"/>
-        </dgm:presLayoutVars>
-      </dgm:prSet>
-      <dgm:spPr/>
-    </dgm:pt>
-    <dgm:pt modelId="{936FA828-7C11-40AE-B400-9D0999A72EDF}" type="pres">
-      <dgm:prSet presAssocID="{C0FB6F2F-04D2-4C71-AE2E-AAAFE855727A}" presName="root1" presStyleCnt="0"/>
-      <dgm:spPr/>
-    </dgm:pt>
-    <dgm:pt modelId="{B0B3BDBA-DDA3-48E4-9C1F-280CD52D0335}" type="pres">
-      <dgm:prSet presAssocID="{C0FB6F2F-04D2-4C71-AE2E-AAAFE855727A}" presName="LevelOneTextNode" presStyleLbl="node0" presStyleIdx="0" presStyleCnt="1" custFlipVert="1" custScaleX="309500" custScaleY="35406" custLinFactNeighborX="-75016" custLinFactNeighborY="23">
-        <dgm:presLayoutVars>
-          <dgm:chPref val="3"/>
-        </dgm:presLayoutVars>
-      </dgm:prSet>
-      <dgm:spPr/>
-    </dgm:pt>
-    <dgm:pt modelId="{DEB6D11D-33EE-4CB4-8954-8111FAC8260A}" type="pres">
-      <dgm:prSet presAssocID="{C0FB6F2F-04D2-4C71-AE2E-AAAFE855727A}" presName="level2hierChild" presStyleCnt="0"/>
-      <dgm:spPr/>
-    </dgm:pt>
-    <dgm:pt modelId="{D47E53C2-74D9-4074-9ED7-F4A6A868D892}" type="pres">
-      <dgm:prSet presAssocID="{0FA5C8F2-8E5A-4649-AEC8-2531B0CE465E}" presName="conn2-1" presStyleLbl="parChTrans1D2" presStyleIdx="0" presStyleCnt="2"/>
-      <dgm:spPr/>
-    </dgm:pt>
-    <dgm:pt modelId="{E1228296-19D2-4D46-87E3-DA201A52CA5E}" type="pres">
-      <dgm:prSet presAssocID="{0FA5C8F2-8E5A-4649-AEC8-2531B0CE465E}" presName="connTx" presStyleLbl="parChTrans1D2" presStyleIdx="0" presStyleCnt="2"/>
-      <dgm:spPr/>
-    </dgm:pt>
-    <dgm:pt modelId="{FAE90BE7-FB27-4CAD-BFEA-75C5C21AC159}" type="pres">
-      <dgm:prSet presAssocID="{DD7E3D29-C841-4AEE-90D0-CBA9E8381B6B}" presName="root2" presStyleCnt="0"/>
-      <dgm:spPr/>
-    </dgm:pt>
-    <dgm:pt modelId="{410230CA-991E-476B-995C-E6990ADBF40D}" type="pres">
-      <dgm:prSet presAssocID="{DD7E3D29-C841-4AEE-90D0-CBA9E8381B6B}" presName="LevelTwoTextNode" presStyleLbl="node2" presStyleIdx="0" presStyleCnt="2" custScaleX="165567" custScaleY="152777">
-        <dgm:presLayoutVars>
-          <dgm:chPref val="3"/>
-        </dgm:presLayoutVars>
-      </dgm:prSet>
-      <dgm:spPr/>
-    </dgm:pt>
-    <dgm:pt modelId="{7E4BFC5D-ED7C-4079-8330-4B19A49AE5F1}" type="pres">
-      <dgm:prSet presAssocID="{DD7E3D29-C841-4AEE-90D0-CBA9E8381B6B}" presName="level3hierChild" presStyleCnt="0"/>
-      <dgm:spPr/>
-    </dgm:pt>
-    <dgm:pt modelId="{072F42CE-4755-4588-9AB6-CE3FE52A6A2F}" type="pres">
-      <dgm:prSet presAssocID="{8D38FA02-7855-4243-BF67-A5CCB04D217C}" presName="conn2-1" presStyleLbl="parChTrans1D2" presStyleIdx="1" presStyleCnt="2"/>
-      <dgm:spPr/>
-    </dgm:pt>
-    <dgm:pt modelId="{0474A491-41A9-4922-93DC-902ED41B5BD0}" type="pres">
-      <dgm:prSet presAssocID="{8D38FA02-7855-4243-BF67-A5CCB04D217C}" presName="connTx" presStyleLbl="parChTrans1D2" presStyleIdx="1" presStyleCnt="2"/>
-      <dgm:spPr/>
-    </dgm:pt>
-    <dgm:pt modelId="{9EECC5DE-8DA3-4B56-9801-0EAA6BAA670D}" type="pres">
-      <dgm:prSet presAssocID="{44B74D68-9835-467D-8F48-E4FF3994B94D}" presName="root2" presStyleCnt="0"/>
-      <dgm:spPr/>
-    </dgm:pt>
-    <dgm:pt modelId="{900019B4-3272-47AF-A84D-2BB13C95B0F6}" type="pres">
-      <dgm:prSet presAssocID="{44B74D68-9835-467D-8F48-E4FF3994B94D}" presName="LevelTwoTextNode" presStyleLbl="node2" presStyleIdx="1" presStyleCnt="2" custScaleX="165567" custScaleY="152777">
-        <dgm:presLayoutVars>
-          <dgm:chPref val="3"/>
-        </dgm:presLayoutVars>
-      </dgm:prSet>
-      <dgm:spPr/>
-    </dgm:pt>
-    <dgm:pt modelId="{2956468B-4E88-4B28-82B1-E67244D5B703}" type="pres">
-      <dgm:prSet presAssocID="{44B74D68-9835-467D-8F48-E4FF3994B94D}" presName="level3hierChild" presStyleCnt="0"/>
-      <dgm:spPr/>
-    </dgm:pt>
-  </dgm:ptLst>
-  <dgm:cxnLst>
-    <dgm:cxn modelId="{D1B86B29-F202-4777-A20C-6DB43311171D}" type="presOf" srcId="{44B74D68-9835-467D-8F48-E4FF3994B94D}" destId="{900019B4-3272-47AF-A84D-2BB13C95B0F6}" srcOrd="0" destOrd="0" presId="urn:microsoft.com/office/officeart/2008/layout/HorizontalMultiLevelHierarchy"/>
-    <dgm:cxn modelId="{1CECE437-6553-4559-9E2D-58EA66DD1380}" type="presOf" srcId="{C0FB6F2F-04D2-4C71-AE2E-AAAFE855727A}" destId="{B0B3BDBA-DDA3-48E4-9C1F-280CD52D0335}" srcOrd="0" destOrd="0" presId="urn:microsoft.com/office/officeart/2008/layout/HorizontalMultiLevelHierarchy"/>
-    <dgm:cxn modelId="{5C50CE3E-1B85-4281-9958-5FA841D3B8FF}" type="presOf" srcId="{8D38FA02-7855-4243-BF67-A5CCB04D217C}" destId="{072F42CE-4755-4588-9AB6-CE3FE52A6A2F}" srcOrd="0" destOrd="0" presId="urn:microsoft.com/office/officeart/2008/layout/HorizontalMultiLevelHierarchy"/>
-    <dgm:cxn modelId="{15084295-7603-4539-9A82-4F56AB894B32}" srcId="{5EAFD0AF-C9DA-47C1-B961-5DF1C7308A7F}" destId="{C0FB6F2F-04D2-4C71-AE2E-AAAFE855727A}" srcOrd="0" destOrd="0" parTransId="{BEC2A2C4-DD31-4401-AF27-F273224094E3}" sibTransId="{8D9C9A86-98B0-41C2-B1C2-795D97C0F66E}"/>
-    <dgm:cxn modelId="{C0DC879A-A554-4D93-9E84-50066C8134B3}" type="presOf" srcId="{0FA5C8F2-8E5A-4649-AEC8-2531B0CE465E}" destId="{D47E53C2-74D9-4074-9ED7-F4A6A868D892}" srcOrd="0" destOrd="0" presId="urn:microsoft.com/office/officeart/2008/layout/HorizontalMultiLevelHierarchy"/>
-    <dgm:cxn modelId="{A8D0C9A2-4951-445F-B1F0-0F1EA908F9C5}" type="presOf" srcId="{DD7E3D29-C841-4AEE-90D0-CBA9E8381B6B}" destId="{410230CA-991E-476B-995C-E6990ADBF40D}" srcOrd="0" destOrd="0" presId="urn:microsoft.com/office/officeart/2008/layout/HorizontalMultiLevelHierarchy"/>
-    <dgm:cxn modelId="{0A378FB4-AE20-494D-9C62-F201A2CA0E21}" type="presOf" srcId="{0FA5C8F2-8E5A-4649-AEC8-2531B0CE465E}" destId="{E1228296-19D2-4D46-87E3-DA201A52CA5E}" srcOrd="1" destOrd="0" presId="urn:microsoft.com/office/officeart/2008/layout/HorizontalMultiLevelHierarchy"/>
-    <dgm:cxn modelId="{E166F0C1-C589-4BA0-80CD-B3B22F14E12A}" srcId="{C0FB6F2F-04D2-4C71-AE2E-AAAFE855727A}" destId="{44B74D68-9835-467D-8F48-E4FF3994B94D}" srcOrd="1" destOrd="0" parTransId="{8D38FA02-7855-4243-BF67-A5CCB04D217C}" sibTransId="{734A0D7B-A99F-4803-A097-EDFE65BB74AE}"/>
-    <dgm:cxn modelId="{E1ECDED5-A580-42AD-A259-C750F8374739}" srcId="{C0FB6F2F-04D2-4C71-AE2E-AAAFE855727A}" destId="{DD7E3D29-C841-4AEE-90D0-CBA9E8381B6B}" srcOrd="0" destOrd="0" parTransId="{0FA5C8F2-8E5A-4649-AEC8-2531B0CE465E}" sibTransId="{4162C6A4-3286-4BCF-935E-3223D32B5312}"/>
-    <dgm:cxn modelId="{EB44A5F8-7397-4A99-B63B-40583CF3802C}" type="presOf" srcId="{8D38FA02-7855-4243-BF67-A5CCB04D217C}" destId="{0474A491-41A9-4922-93DC-902ED41B5BD0}" srcOrd="1" destOrd="0" presId="urn:microsoft.com/office/officeart/2008/layout/HorizontalMultiLevelHierarchy"/>
-    <dgm:cxn modelId="{46060EFB-E183-4342-B16A-34C96365F2B3}" type="presOf" srcId="{5EAFD0AF-C9DA-47C1-B961-5DF1C7308A7F}" destId="{77CA7E2F-A0B0-4A04-9254-6A5D03849F87}" srcOrd="0" destOrd="0" presId="urn:microsoft.com/office/officeart/2008/layout/HorizontalMultiLevelHierarchy"/>
-    <dgm:cxn modelId="{7087B0B8-16F4-47C9-98AF-93D3E0ED4A3D}" type="presParOf" srcId="{77CA7E2F-A0B0-4A04-9254-6A5D03849F87}" destId="{936FA828-7C11-40AE-B400-9D0999A72EDF}" srcOrd="0" destOrd="0" presId="urn:microsoft.com/office/officeart/2008/layout/HorizontalMultiLevelHierarchy"/>
-    <dgm:cxn modelId="{A24F54A6-D4BF-4D54-9206-698624293E70}" type="presParOf" srcId="{936FA828-7C11-40AE-B400-9D0999A72EDF}" destId="{B0B3BDBA-DDA3-48E4-9C1F-280CD52D0335}" srcOrd="0" destOrd="0" presId="urn:microsoft.com/office/officeart/2008/layout/HorizontalMultiLevelHierarchy"/>
-    <dgm:cxn modelId="{919F15C8-A899-4988-98A4-D24323152275}" type="presParOf" srcId="{936FA828-7C11-40AE-B400-9D0999A72EDF}" destId="{DEB6D11D-33EE-4CB4-8954-8111FAC8260A}" srcOrd="1" destOrd="0" presId="urn:microsoft.com/office/officeart/2008/layout/HorizontalMultiLevelHierarchy"/>
-    <dgm:cxn modelId="{CF7C188F-AABB-40A5-8FD7-8924C9958F90}" type="presParOf" srcId="{DEB6D11D-33EE-4CB4-8954-8111FAC8260A}" destId="{D47E53C2-74D9-4074-9ED7-F4A6A868D892}" srcOrd="0" destOrd="0" presId="urn:microsoft.com/office/officeart/2008/layout/HorizontalMultiLevelHierarchy"/>
-    <dgm:cxn modelId="{47F31257-26A0-4CF6-B22B-4E3D5FB65390}" type="presParOf" srcId="{D47E53C2-74D9-4074-9ED7-F4A6A868D892}" destId="{E1228296-19D2-4D46-87E3-DA201A52CA5E}" srcOrd="0" destOrd="0" presId="urn:microsoft.com/office/officeart/2008/layout/HorizontalMultiLevelHierarchy"/>
-    <dgm:cxn modelId="{9DC14059-0FFC-495D-B646-22C4D9FA93F5}" type="presParOf" srcId="{DEB6D11D-33EE-4CB4-8954-8111FAC8260A}" destId="{FAE90BE7-FB27-4CAD-BFEA-75C5C21AC159}" srcOrd="1" destOrd="0" presId="urn:microsoft.com/office/officeart/2008/layout/HorizontalMultiLevelHierarchy"/>
-    <dgm:cxn modelId="{5E94C928-67C7-45E4-BB03-4C4C496041C9}" type="presParOf" srcId="{FAE90BE7-FB27-4CAD-BFEA-75C5C21AC159}" destId="{410230CA-991E-476B-995C-E6990ADBF40D}" srcOrd="0" destOrd="0" presId="urn:microsoft.com/office/officeart/2008/layout/HorizontalMultiLevelHierarchy"/>
-    <dgm:cxn modelId="{028129CD-CC87-4603-9C4B-D42224D77CB4}" type="presParOf" srcId="{FAE90BE7-FB27-4CAD-BFEA-75C5C21AC159}" destId="{7E4BFC5D-ED7C-4079-8330-4B19A49AE5F1}" srcOrd="1" destOrd="0" presId="urn:microsoft.com/office/officeart/2008/layout/HorizontalMultiLevelHierarchy"/>
-    <dgm:cxn modelId="{07C1EBCA-2371-4DA2-94EC-E0BC183A6491}" type="presParOf" srcId="{DEB6D11D-33EE-4CB4-8954-8111FAC8260A}" destId="{072F42CE-4755-4588-9AB6-CE3FE52A6A2F}" srcOrd="2" destOrd="0" presId="urn:microsoft.com/office/officeart/2008/layout/HorizontalMultiLevelHierarchy"/>
-    <dgm:cxn modelId="{1AB15ACA-34B8-49D6-A25E-AFDFCA37B71B}" type="presParOf" srcId="{072F42CE-4755-4588-9AB6-CE3FE52A6A2F}" destId="{0474A491-41A9-4922-93DC-902ED41B5BD0}" srcOrd="0" destOrd="0" presId="urn:microsoft.com/office/officeart/2008/layout/HorizontalMultiLevelHierarchy"/>
-    <dgm:cxn modelId="{6EAB3C7F-E501-4054-B87C-6E1AA55B3779}" type="presParOf" srcId="{DEB6D11D-33EE-4CB4-8954-8111FAC8260A}" destId="{9EECC5DE-8DA3-4B56-9801-0EAA6BAA670D}" srcOrd="3" destOrd="0" presId="urn:microsoft.com/office/officeart/2008/layout/HorizontalMultiLevelHierarchy"/>
-    <dgm:cxn modelId="{A4074878-81E0-4A2A-B061-5ABDE4AF928F}" type="presParOf" srcId="{9EECC5DE-8DA3-4B56-9801-0EAA6BAA670D}" destId="{900019B4-3272-47AF-A84D-2BB13C95B0F6}" srcOrd="0" destOrd="0" presId="urn:microsoft.com/office/officeart/2008/layout/HorizontalMultiLevelHierarchy"/>
-    <dgm:cxn modelId="{6291D7D2-8AEB-40FD-9A60-BD7EB1540A4E}" type="presParOf" srcId="{9EECC5DE-8DA3-4B56-9801-0EAA6BAA670D}" destId="{2956468B-4E88-4B28-82B1-E67244D5B703}" srcOrd="1" destOrd="0" presId="urn:microsoft.com/office/officeart/2008/layout/HorizontalMultiLevelHierarchy"/>
   </dgm:cxnLst>
   <dgm:bg/>
   <dgm:whole/>
@@ -6257,414 +5270,6 @@
       </dsp:txBody>
       <dsp:txXfrm>
         <a:off x="2265440" y="1820403"/>
-        <a:ext cx="2711829" cy="762909"/>
-      </dsp:txXfrm>
-    </dsp:sp>
-  </dsp:spTree>
-</dsp:drawing>
-</file>
-
-<file path=ppt/diagrams/drawing4.xml><?xml version="1.0" encoding="utf-8"?>
-<dsp:drawing xmlns:dgm="http://schemas.openxmlformats.org/drawingml/2006/diagram" xmlns:dsp="http://schemas.microsoft.com/office/drawing/2008/diagram" xmlns:a="http://schemas.openxmlformats.org/drawingml/2006/main">
-  <dsp:spTree>
-    <dsp:nvGrpSpPr>
-      <dsp:cNvPr id="0" name=""/>
-      <dsp:cNvGrpSpPr/>
-    </dsp:nvGrpSpPr>
-    <dsp:grpSpPr/>
-    <dsp:sp modelId="{072F42CE-4755-4588-9AB6-CE3FE52A6A2F}">
-      <dsp:nvSpPr>
-        <dsp:cNvPr id="0" name=""/>
-        <dsp:cNvSpPr/>
-      </dsp:nvSpPr>
-      <dsp:spPr>
-        <a:xfrm>
-          <a:off x="1563258" y="1314712"/>
-          <a:ext cx="702181" cy="443270"/>
-        </a:xfrm>
-        <a:custGeom>
-          <a:avLst/>
-          <a:gdLst/>
-          <a:ahLst/>
-          <a:cxnLst/>
-          <a:rect l="0" t="0" r="0" b="0"/>
-          <a:pathLst>
-            <a:path>
-              <a:moveTo>
-                <a:pt x="0" y="0"/>
-              </a:moveTo>
-              <a:lnTo>
-                <a:pt x="351090" y="0"/>
-              </a:lnTo>
-              <a:lnTo>
-                <a:pt x="351090" y="443270"/>
-              </a:lnTo>
-              <a:lnTo>
-                <a:pt x="702181" y="443270"/>
-              </a:lnTo>
-            </a:path>
-          </a:pathLst>
-        </a:custGeom>
-        <a:noFill/>
-        <a:ln w="10795" cap="flat" cmpd="sng" algn="ctr">
-          <a:solidFill>
-            <a:schemeClr val="accent1">
-              <a:shade val="60000"/>
-              <a:hueOff val="0"/>
-              <a:satOff val="0"/>
-              <a:lumOff val="0"/>
-              <a:alphaOff val="0"/>
-            </a:schemeClr>
-          </a:solidFill>
-          <a:prstDash val="solid"/>
-        </a:ln>
-        <a:effectLst/>
-      </dsp:spPr>
-      <dsp:style>
-        <a:lnRef idx="2">
-          <a:scrgbClr r="0" g="0" b="0"/>
-        </a:lnRef>
-        <a:fillRef idx="0">
-          <a:scrgbClr r="0" g="0" b="0"/>
-        </a:fillRef>
-        <a:effectRef idx="0">
-          <a:scrgbClr r="0" g="0" b="0"/>
-        </a:effectRef>
-        <a:fontRef idx="minor"/>
-      </dsp:style>
-      <dsp:txBody>
-        <a:bodyPr spcFirstLastPara="0" vert="horz" wrap="square" lIns="12700" tIns="0" rIns="12700" bIns="0" numCol="1" spcCol="1270" anchor="ctr" anchorCtr="0">
-          <a:noAutofit/>
-        </a:bodyPr>
-        <a:lstStyle/>
-        <a:p>
-          <a:pPr marL="0" lvl="0" indent="0" algn="ctr" defTabSz="1244600">
-            <a:lnSpc>
-              <a:spcPct val="90000"/>
-            </a:lnSpc>
-            <a:spcBef>
-              <a:spcPct val="0"/>
-            </a:spcBef>
-            <a:spcAft>
-              <a:spcPct val="35000"/>
-            </a:spcAft>
-            <a:buNone/>
-          </a:pPr>
-          <a:endParaRPr lang="zh-CN" altLang="en-US" sz="2800" kern="1200"/>
-        </a:p>
-      </dsp:txBody>
-      <dsp:txXfrm>
-        <a:off x="1893589" y="1515588"/>
-        <a:ext cx="41519" cy="41519"/>
-      </dsp:txXfrm>
-    </dsp:sp>
-    <dsp:sp modelId="{D47E53C2-74D9-4074-9ED7-F4A6A868D892}">
-      <dsp:nvSpPr>
-        <dsp:cNvPr id="0" name=""/>
-        <dsp:cNvSpPr/>
-      </dsp:nvSpPr>
-      <dsp:spPr>
-        <a:xfrm>
-          <a:off x="1563258" y="870233"/>
-          <a:ext cx="702181" cy="444479"/>
-        </a:xfrm>
-        <a:custGeom>
-          <a:avLst/>
-          <a:gdLst/>
-          <a:ahLst/>
-          <a:cxnLst/>
-          <a:rect l="0" t="0" r="0" b="0"/>
-          <a:pathLst>
-            <a:path>
-              <a:moveTo>
-                <a:pt x="0" y="444479"/>
-              </a:moveTo>
-              <a:lnTo>
-                <a:pt x="351090" y="444479"/>
-              </a:lnTo>
-              <a:lnTo>
-                <a:pt x="351090" y="0"/>
-              </a:lnTo>
-              <a:lnTo>
-                <a:pt x="702181" y="0"/>
-              </a:lnTo>
-            </a:path>
-          </a:pathLst>
-        </a:custGeom>
-        <a:noFill/>
-        <a:ln w="10795" cap="flat" cmpd="sng" algn="ctr">
-          <a:solidFill>
-            <a:schemeClr val="accent1">
-              <a:shade val="60000"/>
-              <a:hueOff val="0"/>
-              <a:satOff val="0"/>
-              <a:lumOff val="0"/>
-              <a:alphaOff val="0"/>
-            </a:schemeClr>
-          </a:solidFill>
-          <a:prstDash val="solid"/>
-        </a:ln>
-        <a:effectLst/>
-      </dsp:spPr>
-      <dsp:style>
-        <a:lnRef idx="2">
-          <a:scrgbClr r="0" g="0" b="0"/>
-        </a:lnRef>
-        <a:fillRef idx="0">
-          <a:scrgbClr r="0" g="0" b="0"/>
-        </a:fillRef>
-        <a:effectRef idx="0">
-          <a:scrgbClr r="0" g="0" b="0"/>
-        </a:effectRef>
-        <a:fontRef idx="minor"/>
-      </dsp:style>
-      <dsp:txBody>
-        <a:bodyPr spcFirstLastPara="0" vert="horz" wrap="square" lIns="12700" tIns="0" rIns="12700" bIns="0" numCol="1" spcCol="1270" anchor="ctr" anchorCtr="0">
-          <a:noAutofit/>
-        </a:bodyPr>
-        <a:lstStyle/>
-        <a:p>
-          <a:pPr marL="0" lvl="0" indent="0" algn="ctr" defTabSz="1244600">
-            <a:lnSpc>
-              <a:spcPct val="90000"/>
-            </a:lnSpc>
-            <a:spcBef>
-              <a:spcPct val="0"/>
-            </a:spcBef>
-            <a:spcAft>
-              <a:spcPct val="35000"/>
-            </a:spcAft>
-            <a:buNone/>
-          </a:pPr>
-          <a:endParaRPr lang="zh-CN" altLang="en-US" sz="2800" kern="1200"/>
-        </a:p>
-      </dsp:txBody>
-      <dsp:txXfrm>
-        <a:off x="1893573" y="1071697"/>
-        <a:ext cx="41551" cy="41551"/>
-      </dsp:txXfrm>
-    </dsp:sp>
-    <dsp:sp modelId="{B0B3BDBA-DDA3-48E4-9C1F-280CD52D0335}">
-      <dsp:nvSpPr>
-        <dsp:cNvPr id="0" name=""/>
-        <dsp:cNvSpPr/>
-      </dsp:nvSpPr>
-      <dsp:spPr>
-        <a:xfrm rot="5400000" flipV="1">
-          <a:off x="325223" y="541951"/>
-          <a:ext cx="930546" cy="1545523"/>
-        </a:xfrm>
-        <a:prstGeom prst="rect">
-          <a:avLst/>
-        </a:prstGeom>
-        <a:solidFill>
-          <a:schemeClr val="accent1">
-            <a:hueOff val="0"/>
-            <a:satOff val="0"/>
-            <a:lumOff val="0"/>
-            <a:alphaOff val="0"/>
-          </a:schemeClr>
-        </a:solidFill>
-        <a:ln w="10795" cap="flat" cmpd="sng" algn="ctr">
-          <a:noFill/>
-          <a:prstDash val="solid"/>
-        </a:ln>
-        <a:effectLst/>
-      </dsp:spPr>
-      <dsp:style>
-        <a:lnRef idx="2">
-          <a:scrgbClr r="0" g="0" b="0"/>
-        </a:lnRef>
-        <a:fillRef idx="1">
-          <a:scrgbClr r="0" g="0" b="0"/>
-        </a:fillRef>
-        <a:effectRef idx="0">
-          <a:scrgbClr r="0" g="0" b="0"/>
-        </a:effectRef>
-        <a:fontRef idx="minor">
-          <a:schemeClr val="lt1"/>
-        </a:fontRef>
-      </dsp:style>
-      <dsp:txBody>
-        <a:bodyPr spcFirstLastPara="0" vert="vert" wrap="square" lIns="17780" tIns="17780" rIns="17780" bIns="17780" numCol="1" spcCol="1270" anchor="ctr" anchorCtr="0">
-          <a:noAutofit/>
-        </a:bodyPr>
-        <a:lstStyle/>
-        <a:p>
-          <a:pPr marL="0" lvl="0" indent="0" algn="ctr" defTabSz="1244600">
-            <a:lnSpc>
-              <a:spcPct val="90000"/>
-            </a:lnSpc>
-            <a:spcBef>
-              <a:spcPct val="0"/>
-            </a:spcBef>
-            <a:spcAft>
-              <a:spcPct val="35000"/>
-            </a:spcAft>
-            <a:buNone/>
-          </a:pPr>
-          <a:r>
-            <a:rPr lang="zh-CN" altLang="en-US" sz="2800" kern="1200" dirty="0"/>
-            <a:t>查房</a:t>
-          </a:r>
-        </a:p>
-      </dsp:txBody>
-      <dsp:txXfrm rot="10800000">
-        <a:off x="325223" y="541951"/>
-        <a:ext cx="930546" cy="1545523"/>
-      </dsp:txXfrm>
-    </dsp:sp>
-    <dsp:sp modelId="{410230CA-991E-476B-995C-E6990ADBF40D}">
-      <dsp:nvSpPr>
-        <dsp:cNvPr id="0" name=""/>
-        <dsp:cNvSpPr/>
-      </dsp:nvSpPr>
-      <dsp:spPr>
-        <a:xfrm>
-          <a:off x="2265440" y="488779"/>
-          <a:ext cx="2711829" cy="762909"/>
-        </a:xfrm>
-        <a:prstGeom prst="rect">
-          <a:avLst/>
-        </a:prstGeom>
-        <a:solidFill>
-          <a:schemeClr val="accent1">
-            <a:hueOff val="0"/>
-            <a:satOff val="0"/>
-            <a:lumOff val="0"/>
-            <a:alphaOff val="0"/>
-          </a:schemeClr>
-        </a:solidFill>
-        <a:ln w="10795" cap="flat" cmpd="sng" algn="ctr">
-          <a:solidFill>
-            <a:schemeClr val="lt1">
-              <a:hueOff val="0"/>
-              <a:satOff val="0"/>
-              <a:lumOff val="0"/>
-              <a:alphaOff val="0"/>
-            </a:schemeClr>
-          </a:solidFill>
-          <a:prstDash val="solid"/>
-        </a:ln>
-        <a:effectLst/>
-      </dsp:spPr>
-      <dsp:style>
-        <a:lnRef idx="2">
-          <a:scrgbClr r="0" g="0" b="0"/>
-        </a:lnRef>
-        <a:fillRef idx="1">
-          <a:scrgbClr r="0" g="0" b="0"/>
-        </a:fillRef>
-        <a:effectRef idx="0">
-          <a:scrgbClr r="0" g="0" b="0"/>
-        </a:effectRef>
-        <a:fontRef idx="minor">
-          <a:schemeClr val="lt1"/>
-        </a:fontRef>
-      </dsp:style>
-      <dsp:txBody>
-        <a:bodyPr spcFirstLastPara="0" vert="horz" wrap="square" lIns="17780" tIns="17780" rIns="17780" bIns="17780" numCol="1" spcCol="1270" anchor="ctr" anchorCtr="0">
-          <a:noAutofit/>
-        </a:bodyPr>
-        <a:lstStyle/>
-        <a:p>
-          <a:pPr marL="0" lvl="0" indent="0" algn="ctr" defTabSz="1244600">
-            <a:lnSpc>
-              <a:spcPct val="90000"/>
-            </a:lnSpc>
-            <a:spcBef>
-              <a:spcPct val="0"/>
-            </a:spcBef>
-            <a:spcAft>
-              <a:spcPct val="35000"/>
-            </a:spcAft>
-            <a:buNone/>
-          </a:pPr>
-          <a:r>
-            <a:rPr lang="zh-CN" altLang="en-US" sz="2800" kern="1200" dirty="0"/>
-            <a:t>查看订单</a:t>
-          </a:r>
-        </a:p>
-      </dsp:txBody>
-      <dsp:txXfrm>
-        <a:off x="2265440" y="488779"/>
-        <a:ext cx="2711829" cy="762909"/>
-      </dsp:txXfrm>
-    </dsp:sp>
-    <dsp:sp modelId="{900019B4-3272-47AF-A84D-2BB13C95B0F6}">
-      <dsp:nvSpPr>
-        <dsp:cNvPr id="0" name=""/>
-        <dsp:cNvSpPr/>
-      </dsp:nvSpPr>
-      <dsp:spPr>
-        <a:xfrm>
-          <a:off x="2265440" y="1376528"/>
-          <a:ext cx="2711829" cy="762909"/>
-        </a:xfrm>
-        <a:prstGeom prst="rect">
-          <a:avLst/>
-        </a:prstGeom>
-        <a:solidFill>
-          <a:schemeClr val="accent1">
-            <a:hueOff val="0"/>
-            <a:satOff val="0"/>
-            <a:lumOff val="0"/>
-            <a:alphaOff val="0"/>
-          </a:schemeClr>
-        </a:solidFill>
-        <a:ln w="10795" cap="flat" cmpd="sng" algn="ctr">
-          <a:solidFill>
-            <a:schemeClr val="lt1">
-              <a:hueOff val="0"/>
-              <a:satOff val="0"/>
-              <a:lumOff val="0"/>
-              <a:alphaOff val="0"/>
-            </a:schemeClr>
-          </a:solidFill>
-          <a:prstDash val="solid"/>
-        </a:ln>
-        <a:effectLst/>
-      </dsp:spPr>
-      <dsp:style>
-        <a:lnRef idx="2">
-          <a:scrgbClr r="0" g="0" b="0"/>
-        </a:lnRef>
-        <a:fillRef idx="1">
-          <a:scrgbClr r="0" g="0" b="0"/>
-        </a:fillRef>
-        <a:effectRef idx="0">
-          <a:scrgbClr r="0" g="0" b="0"/>
-        </a:effectRef>
-        <a:fontRef idx="minor">
-          <a:schemeClr val="lt1"/>
-        </a:fontRef>
-      </dsp:style>
-      <dsp:txBody>
-        <a:bodyPr spcFirstLastPara="0" vert="horz" wrap="square" lIns="17780" tIns="17780" rIns="17780" bIns="17780" numCol="1" spcCol="1270" anchor="ctr" anchorCtr="0">
-          <a:noAutofit/>
-        </a:bodyPr>
-        <a:lstStyle/>
-        <a:p>
-          <a:pPr marL="0" lvl="0" indent="0" algn="ctr" defTabSz="1244600">
-            <a:lnSpc>
-              <a:spcPct val="90000"/>
-            </a:lnSpc>
-            <a:spcBef>
-              <a:spcPct val="0"/>
-            </a:spcBef>
-            <a:spcAft>
-              <a:spcPct val="35000"/>
-            </a:spcAft>
-            <a:buNone/>
-          </a:pPr>
-          <a:r>
-            <a:rPr lang="zh-CN" altLang="en-US" sz="2800" kern="1200" dirty="0"/>
-            <a:t>查看明细</a:t>
-          </a:r>
-        </a:p>
-      </dsp:txBody>
-      <dsp:txXfrm>
-        <a:off x="2265440" y="1376528"/>
         <a:ext cx="2711829" cy="762909"/>
       </dsp:txXfrm>
     </dsp:sp>
@@ -8502,329 +7107,6 @@
 </dgm:layoutDef>
 </file>
 
-<file path=ppt/diagrams/layout4.xml><?xml version="1.0" encoding="utf-8"?>
-<dgm:layoutDef xmlns:dgm="http://schemas.openxmlformats.org/drawingml/2006/diagram" xmlns:a="http://schemas.openxmlformats.org/drawingml/2006/main" uniqueId="urn:microsoft.com/office/officeart/2008/layout/HorizontalMultiLevelHierarchy">
-  <dgm:title val=""/>
-  <dgm:desc val=""/>
-  <dgm:catLst>
-    <dgm:cat type="hierarchy" pri="4600"/>
-  </dgm:catLst>
-  <dgm:sampData>
-    <dgm:dataModel>
-      <dgm:ptLst>
-        <dgm:pt modelId="0" type="doc"/>
-        <dgm:pt modelId="1">
-          <dgm:prSet phldr="1"/>
-        </dgm:pt>
-        <dgm:pt modelId="11">
-          <dgm:prSet phldr="1"/>
-        </dgm:pt>
-        <dgm:pt modelId="12">
-          <dgm:prSet phldr="1"/>
-        </dgm:pt>
-        <dgm:pt modelId="13">
-          <dgm:prSet phldr="1"/>
-        </dgm:pt>
-      </dgm:ptLst>
-      <dgm:cxnLst>
-        <dgm:cxn modelId="2" srcId="0" destId="1" srcOrd="0" destOrd="0"/>
-        <dgm:cxn modelId="3" srcId="1" destId="11" srcOrd="0" destOrd="0"/>
-        <dgm:cxn modelId="4" srcId="1" destId="12" srcOrd="1" destOrd="0"/>
-        <dgm:cxn modelId="5" srcId="1" destId="13" srcOrd="2" destOrd="0"/>
-      </dgm:cxnLst>
-      <dgm:bg/>
-      <dgm:whole/>
-    </dgm:dataModel>
-  </dgm:sampData>
-  <dgm:styleData>
-    <dgm:dataModel>
-      <dgm:ptLst>
-        <dgm:pt modelId="0" type="doc"/>
-        <dgm:pt modelId="1">
-          <dgm:prSet phldr="1"/>
-        </dgm:pt>
-        <dgm:pt modelId="11">
-          <dgm:prSet phldr="1"/>
-        </dgm:pt>
-        <dgm:pt modelId="12">
-          <dgm:prSet phldr="1"/>
-        </dgm:pt>
-      </dgm:ptLst>
-      <dgm:cxnLst>
-        <dgm:cxn modelId="2" srcId="0" destId="1" srcOrd="0" destOrd="0"/>
-        <dgm:cxn modelId="3" srcId="1" destId="11" srcOrd="0" destOrd="0"/>
-        <dgm:cxn modelId="4" srcId="1" destId="12" srcOrd="1" destOrd="0"/>
-      </dgm:cxnLst>
-      <dgm:bg/>
-      <dgm:whole/>
-    </dgm:dataModel>
-  </dgm:styleData>
-  <dgm:clrData>
-    <dgm:dataModel>
-      <dgm:ptLst>
-        <dgm:pt modelId="0" type="doc"/>
-        <dgm:pt modelId="1">
-          <dgm:prSet phldr="1"/>
-        </dgm:pt>
-        <dgm:pt modelId="11">
-          <dgm:prSet phldr="1"/>
-        </dgm:pt>
-        <dgm:pt modelId="12">
-          <dgm:prSet phldr="1"/>
-        </dgm:pt>
-        <dgm:pt modelId="13">
-          <dgm:prSet phldr="1"/>
-        </dgm:pt>
-      </dgm:ptLst>
-      <dgm:cxnLst>
-        <dgm:cxn modelId="2" srcId="0" destId="1" srcOrd="0" destOrd="0"/>
-        <dgm:cxn modelId="3" srcId="1" destId="11" srcOrd="0" destOrd="0"/>
-        <dgm:cxn modelId="4" srcId="1" destId="12" srcOrd="1" destOrd="0"/>
-        <dgm:cxn modelId="5" srcId="1" destId="13" srcOrd="2" destOrd="0"/>
-      </dgm:cxnLst>
-      <dgm:bg/>
-      <dgm:whole/>
-    </dgm:dataModel>
-  </dgm:clrData>
-  <dgm:layoutNode name="Name0">
-    <dgm:varLst>
-      <dgm:chPref val="1"/>
-      <dgm:dir/>
-      <dgm:animOne val="branch"/>
-      <dgm:animLvl val="lvl"/>
-      <dgm:resizeHandles val="exact"/>
-    </dgm:varLst>
-    <dgm:choose name="Name1">
-      <dgm:if name="Name2" func="var" arg="dir" op="equ" val="norm">
-        <dgm:alg type="hierChild">
-          <dgm:param type="linDir" val="fromT"/>
-          <dgm:param type="chAlign" val="l"/>
-        </dgm:alg>
-      </dgm:if>
-      <dgm:else name="Name3">
-        <dgm:alg type="hierChild">
-          <dgm:param type="linDir" val="fromT"/>
-          <dgm:param type="chAlign" val="r"/>
-        </dgm:alg>
-      </dgm:else>
-    </dgm:choose>
-    <dgm:shape xmlns:r="http://schemas.openxmlformats.org/officeDocument/2006/relationships" r:blip="">
-      <dgm:adjLst/>
-    </dgm:shape>
-    <dgm:presOf/>
-    <dgm:constrLst>
-      <dgm:constr type="h" for="des" forName="LevelOneTextNode" refType="h"/>
-      <dgm:constr type="w" for="des" forName="LevelOneTextNode" refType="h" refFor="des" refForName="LevelOneTextNode" fact="0.19"/>
-      <dgm:constr type="h" for="des" forName="LevelTwoTextNode" refType="w" refFor="des" refForName="LevelOneTextNode"/>
-      <dgm:constr type="w" for="des" forName="LevelTwoTextNode" refType="h" refFor="des" refForName="LevelTwoTextNode" fact="3.28"/>
-      <dgm:constr type="sibSp" refType="h" refFor="des" refForName="LevelTwoTextNode" op="equ" fact="0.25"/>
-      <dgm:constr type="sibSp" for="des" forName="level2hierChild" refType="h" refFor="des" refForName="LevelTwoTextNode" op="equ" fact="0.25"/>
-      <dgm:constr type="sibSp" for="des" forName="level3hierChild" refType="h" refFor="des" refForName="LevelTwoTextNode" op="equ" fact="0.25"/>
-      <dgm:constr type="sp" for="des" forName="root1" refType="w" refFor="des" refForName="LevelTwoTextNode" fact="0.2"/>
-      <dgm:constr type="sp" for="des" forName="root2" refType="sp" refFor="des" refForName="root1" op="equ"/>
-      <dgm:constr type="primFontSz" for="des" forName="LevelOneTextNode" op="equ" val="65"/>
-      <dgm:constr type="primFontSz" for="des" forName="LevelTwoTextNode" op="equ" val="65"/>
-      <dgm:constr type="primFontSz" for="des" forName="LevelTwoTextNode" refType="primFontSz" refFor="des" refForName="LevelOneTextNode" op="lte"/>
-      <dgm:constr type="primFontSz" for="des" forName="connTx" op="equ" val="50"/>
-      <dgm:constr type="primFontSz" for="des" forName="connTx" refType="primFontSz" refFor="des" refForName="LevelOneTextNode" op="lte" fact="0.78"/>
-    </dgm:constrLst>
-    <dgm:forEach name="Name4" axis="ch">
-      <dgm:forEach name="Name5" axis="self" ptType="node">
-        <dgm:layoutNode name="root1">
-          <dgm:choose name="Name6">
-            <dgm:if name="Name7" func="var" arg="dir" op="equ" val="norm">
-              <dgm:alg type="hierRoot">
-                <dgm:param type="hierAlign" val="lCtrCh"/>
-              </dgm:alg>
-            </dgm:if>
-            <dgm:else name="Name8">
-              <dgm:alg type="hierRoot">
-                <dgm:param type="hierAlign" val="rCtrCh"/>
-              </dgm:alg>
-            </dgm:else>
-          </dgm:choose>
-          <dgm:shape xmlns:r="http://schemas.openxmlformats.org/officeDocument/2006/relationships" r:blip="">
-            <dgm:adjLst/>
-          </dgm:shape>
-          <dgm:presOf/>
-          <dgm:layoutNode name="LevelOneTextNode" styleLbl="node0">
-            <dgm:varLst>
-              <dgm:chPref val="3"/>
-            </dgm:varLst>
-            <dgm:alg type="tx">
-              <dgm:param type="autoTxRot" val="grav"/>
-            </dgm:alg>
-            <dgm:choose name="Name9">
-              <dgm:if name="Name10" func="var" arg="dir" op="equ" val="norm">
-                <dgm:shape xmlns:r="http://schemas.openxmlformats.org/officeDocument/2006/relationships" rot="270" type="rect" r:blip="">
-                  <dgm:adjLst/>
-                </dgm:shape>
-              </dgm:if>
-              <dgm:else name="Name11">
-                <dgm:shape xmlns:r="http://schemas.openxmlformats.org/officeDocument/2006/relationships" rot="90" type="rect" r:blip="">
-                  <dgm:adjLst/>
-                </dgm:shape>
-              </dgm:else>
-            </dgm:choose>
-            <dgm:presOf axis="self"/>
-            <dgm:constrLst>
-              <dgm:constr type="tMarg" refType="primFontSz" fact="0.05"/>
-              <dgm:constr type="bMarg" refType="primFontSz" fact="0.05"/>
-              <dgm:constr type="lMarg" refType="primFontSz" fact="0.05"/>
-              <dgm:constr type="rMarg" refType="primFontSz" fact="0.05"/>
-            </dgm:constrLst>
-            <dgm:ruleLst>
-              <dgm:rule type="primFontSz" val="2" fact="NaN" max="NaN"/>
-            </dgm:ruleLst>
-          </dgm:layoutNode>
-          <dgm:layoutNode name="level2hierChild">
-            <dgm:choose name="Name12">
-              <dgm:if name="Name13" func="var" arg="dir" op="equ" val="norm">
-                <dgm:alg type="hierChild">
-                  <dgm:param type="linDir" val="fromT"/>
-                  <dgm:param type="chAlign" val="l"/>
-                </dgm:alg>
-              </dgm:if>
-              <dgm:else name="Name14">
-                <dgm:alg type="hierChild">
-                  <dgm:param type="linDir" val="fromT"/>
-                  <dgm:param type="chAlign" val="r"/>
-                </dgm:alg>
-              </dgm:else>
-            </dgm:choose>
-            <dgm:shape xmlns:r="http://schemas.openxmlformats.org/officeDocument/2006/relationships" r:blip="">
-              <dgm:adjLst/>
-            </dgm:shape>
-            <dgm:presOf/>
-            <dgm:forEach name="repeat" axis="ch">
-              <dgm:forEach name="Name15" axis="self" ptType="parTrans" cnt="1">
-                <dgm:layoutNode name="conn2-1">
-                  <dgm:choose name="Name16">
-                    <dgm:if name="Name17" func="var" arg="dir" op="equ" val="norm">
-                      <dgm:alg type="conn">
-                        <dgm:param type="dim" val="1D"/>
-                        <dgm:param type="begPts" val="midR"/>
-                        <dgm:param type="endPts" val="midL"/>
-                        <dgm:param type="endSty" val="noArr"/>
-                        <dgm:param type="connRout" val="bend"/>
-                      </dgm:alg>
-                    </dgm:if>
-                    <dgm:else name="Name18">
-                      <dgm:alg type="conn">
-                        <dgm:param type="dim" val="1D"/>
-                        <dgm:param type="begPts" val="midL"/>
-                        <dgm:param type="endPts" val="midR"/>
-                        <dgm:param type="endSty" val="noArr"/>
-                        <dgm:param type="connRout" val="bend"/>
-                      </dgm:alg>
-                    </dgm:else>
-                  </dgm:choose>
-                  <dgm:shape xmlns:r="http://schemas.openxmlformats.org/officeDocument/2006/relationships" type="conn" r:blip="" zOrderOff="-99999">
-                    <dgm:adjLst/>
-                  </dgm:shape>
-                  <dgm:presOf axis="self"/>
-                  <dgm:constrLst>
-                    <dgm:constr type="w" val="1"/>
-                    <dgm:constr type="h" val="5"/>
-                    <dgm:constr type="connDist"/>
-                    <dgm:constr type="begPad"/>
-                    <dgm:constr type="endPad"/>
-                    <dgm:constr type="userA" for="ch" refType="connDist"/>
-                  </dgm:constrLst>
-                  <dgm:layoutNode name="connTx">
-                    <dgm:alg type="tx">
-                      <dgm:param type="autoTxRot" val="grav"/>
-                    </dgm:alg>
-                    <dgm:shape xmlns:r="http://schemas.openxmlformats.org/officeDocument/2006/relationships" type="rect" r:blip="" hideGeom="1">
-                      <dgm:adjLst/>
-                    </dgm:shape>
-                    <dgm:presOf axis="self"/>
-                    <dgm:constrLst>
-                      <dgm:constr type="userA"/>
-                      <dgm:constr type="w" refType="userA" fact="0.05"/>
-                      <dgm:constr type="h" refType="userA" fact="0.05"/>
-                      <dgm:constr type="lMarg" val="1"/>
-                      <dgm:constr type="rMarg" val="1"/>
-                      <dgm:constr type="tMarg"/>
-                      <dgm:constr type="bMarg"/>
-                    </dgm:constrLst>
-                    <dgm:ruleLst>
-                      <dgm:rule type="h" val="NaN" fact="0.25" max="NaN"/>
-                      <dgm:rule type="w" val="NaN" fact="0.8" max="NaN"/>
-                      <dgm:rule type="primFontSz" val="5" fact="NaN" max="NaN"/>
-                    </dgm:ruleLst>
-                  </dgm:layoutNode>
-                </dgm:layoutNode>
-              </dgm:forEach>
-              <dgm:forEach name="Name19" axis="self" ptType="node">
-                <dgm:layoutNode name="root2">
-                  <dgm:choose name="Name20">
-                    <dgm:if name="Name21" func="var" arg="dir" op="equ" val="norm">
-                      <dgm:alg type="hierRoot">
-                        <dgm:param type="hierAlign" val="lCtrCh"/>
-                      </dgm:alg>
-                    </dgm:if>
-                    <dgm:else name="Name22">
-                      <dgm:alg type="hierRoot">
-                        <dgm:param type="hierAlign" val="rCtrCh"/>
-                      </dgm:alg>
-                    </dgm:else>
-                  </dgm:choose>
-                  <dgm:shape xmlns:r="http://schemas.openxmlformats.org/officeDocument/2006/relationships" r:blip="">
-                    <dgm:adjLst/>
-                  </dgm:shape>
-                  <dgm:presOf/>
-                  <dgm:layoutNode name="LevelTwoTextNode">
-                    <dgm:varLst>
-                      <dgm:chPref val="3"/>
-                    </dgm:varLst>
-                    <dgm:alg type="tx"/>
-                    <dgm:shape xmlns:r="http://schemas.openxmlformats.org/officeDocument/2006/relationships" type="rect" r:blip="">
-                      <dgm:adjLst/>
-                    </dgm:shape>
-                    <dgm:presOf axis="self"/>
-                    <dgm:constrLst>
-                      <dgm:constr type="tMarg" refType="primFontSz" fact="0.05"/>
-                      <dgm:constr type="bMarg" refType="primFontSz" fact="0.05"/>
-                      <dgm:constr type="lMarg" refType="primFontSz" fact="0.05"/>
-                      <dgm:constr type="rMarg" refType="primFontSz" fact="0.05"/>
-                    </dgm:constrLst>
-                    <dgm:ruleLst>
-                      <dgm:rule type="primFontSz" val="2" fact="NaN" max="NaN"/>
-                    </dgm:ruleLst>
-                  </dgm:layoutNode>
-                  <dgm:layoutNode name="level3hierChild">
-                    <dgm:choose name="Name23">
-                      <dgm:if name="Name24" func="var" arg="dir" op="equ" val="norm">
-                        <dgm:alg type="hierChild">
-                          <dgm:param type="linDir" val="fromT"/>
-                          <dgm:param type="chAlign" val="l"/>
-                        </dgm:alg>
-                      </dgm:if>
-                      <dgm:else name="Name25">
-                        <dgm:alg type="hierChild">
-                          <dgm:param type="linDir" val="fromT"/>
-                          <dgm:param type="chAlign" val="r"/>
-                        </dgm:alg>
-                      </dgm:else>
-                    </dgm:choose>
-                    <dgm:shape xmlns:r="http://schemas.openxmlformats.org/officeDocument/2006/relationships" r:blip="">
-                      <dgm:adjLst/>
-                    </dgm:shape>
-                    <dgm:presOf/>
-                    <dgm:forEach name="Name26" ref="repeat"/>
-                  </dgm:layoutNode>
-                </dgm:layoutNode>
-              </dgm:forEach>
-            </dgm:forEach>
-          </dgm:layoutNode>
-        </dgm:layoutNode>
-      </dgm:forEach>
-    </dgm:forEach>
-  </dgm:layoutNode>
-</dgm:layoutDef>
-</file>
-
 <file path=ppt/diagrams/quickStyle1.xml><?xml version="1.0" encoding="utf-8"?>
 <dgm:styleDef xmlns:dgm="http://schemas.openxmlformats.org/drawingml/2006/diagram" xmlns:a="http://schemas.openxmlformats.org/drawingml/2006/main" uniqueId="urn:microsoft.com/office/officeart/2005/8/quickstyle/simple1">
   <dgm:title val=""/>
@@ -10894,1040 +9176,6 @@
 </file>
 
 <file path=ppt/diagrams/quickStyle3.xml><?xml version="1.0" encoding="utf-8"?>
-<dgm:styleDef xmlns:dgm="http://schemas.openxmlformats.org/drawingml/2006/diagram" xmlns:a="http://schemas.openxmlformats.org/drawingml/2006/main" uniqueId="urn:microsoft.com/office/officeart/2005/8/quickstyle/simple1">
-  <dgm:title val=""/>
-  <dgm:desc val=""/>
-  <dgm:catLst>
-    <dgm:cat type="simple" pri="10100"/>
-  </dgm:catLst>
-  <dgm:scene3d>
-    <a:camera prst="orthographicFront"/>
-    <a:lightRig rig="threePt" dir="t"/>
-  </dgm:scene3d>
-  <dgm:styleLbl name="node0">
-    <dgm:scene3d>
-      <a:camera prst="orthographicFront"/>
-      <a:lightRig rig="threePt" dir="t"/>
-    </dgm:scene3d>
-    <dgm:sp3d/>
-    <dgm:txPr/>
-    <dgm:style>
-      <a:lnRef idx="2">
-        <a:scrgbClr r="0" g="0" b="0"/>
-      </a:lnRef>
-      <a:fillRef idx="1">
-        <a:scrgbClr r="0" g="0" b="0"/>
-      </a:fillRef>
-      <a:effectRef idx="0">
-        <a:scrgbClr r="0" g="0" b="0"/>
-      </a:effectRef>
-      <a:fontRef idx="minor">
-        <a:schemeClr val="lt1"/>
-      </a:fontRef>
-    </dgm:style>
-  </dgm:styleLbl>
-  <dgm:styleLbl name="lnNode1">
-    <dgm:scene3d>
-      <a:camera prst="orthographicFront"/>
-      <a:lightRig rig="threePt" dir="t"/>
-    </dgm:scene3d>
-    <dgm:sp3d/>
-    <dgm:txPr/>
-    <dgm:style>
-      <a:lnRef idx="2">
-        <a:scrgbClr r="0" g="0" b="0"/>
-      </a:lnRef>
-      <a:fillRef idx="1">
-        <a:scrgbClr r="0" g="0" b="0"/>
-      </a:fillRef>
-      <a:effectRef idx="0">
-        <a:scrgbClr r="0" g="0" b="0"/>
-      </a:effectRef>
-      <a:fontRef idx="minor">
-        <a:schemeClr val="lt1"/>
-      </a:fontRef>
-    </dgm:style>
-  </dgm:styleLbl>
-  <dgm:styleLbl name="vennNode1">
-    <dgm:scene3d>
-      <a:camera prst="orthographicFront"/>
-      <a:lightRig rig="threePt" dir="t"/>
-    </dgm:scene3d>
-    <dgm:sp3d/>
-    <dgm:txPr/>
-    <dgm:style>
-      <a:lnRef idx="2">
-        <a:scrgbClr r="0" g="0" b="0"/>
-      </a:lnRef>
-      <a:fillRef idx="1">
-        <a:scrgbClr r="0" g="0" b="0"/>
-      </a:fillRef>
-      <a:effectRef idx="0">
-        <a:scrgbClr r="0" g="0" b="0"/>
-      </a:effectRef>
-      <a:fontRef idx="minor">
-        <a:schemeClr val="tx1"/>
-      </a:fontRef>
-    </dgm:style>
-  </dgm:styleLbl>
-  <dgm:styleLbl name="alignNode1">
-    <dgm:scene3d>
-      <a:camera prst="orthographicFront"/>
-      <a:lightRig rig="threePt" dir="t"/>
-    </dgm:scene3d>
-    <dgm:sp3d/>
-    <dgm:txPr/>
-    <dgm:style>
-      <a:lnRef idx="2">
-        <a:scrgbClr r="0" g="0" b="0"/>
-      </a:lnRef>
-      <a:fillRef idx="1">
-        <a:scrgbClr r="0" g="0" b="0"/>
-      </a:fillRef>
-      <a:effectRef idx="0">
-        <a:scrgbClr r="0" g="0" b="0"/>
-      </a:effectRef>
-      <a:fontRef idx="minor">
-        <a:schemeClr val="lt1"/>
-      </a:fontRef>
-    </dgm:style>
-  </dgm:styleLbl>
-  <dgm:styleLbl name="node1">
-    <dgm:scene3d>
-      <a:camera prst="orthographicFront"/>
-      <a:lightRig rig="threePt" dir="t"/>
-    </dgm:scene3d>
-    <dgm:sp3d/>
-    <dgm:txPr/>
-    <dgm:style>
-      <a:lnRef idx="2">
-        <a:scrgbClr r="0" g="0" b="0"/>
-      </a:lnRef>
-      <a:fillRef idx="1">
-        <a:scrgbClr r="0" g="0" b="0"/>
-      </a:fillRef>
-      <a:effectRef idx="0">
-        <a:scrgbClr r="0" g="0" b="0"/>
-      </a:effectRef>
-      <a:fontRef idx="minor">
-        <a:schemeClr val="lt1"/>
-      </a:fontRef>
-    </dgm:style>
-  </dgm:styleLbl>
-  <dgm:styleLbl name="node2">
-    <dgm:scene3d>
-      <a:camera prst="orthographicFront"/>
-      <a:lightRig rig="threePt" dir="t"/>
-    </dgm:scene3d>
-    <dgm:sp3d/>
-    <dgm:txPr/>
-    <dgm:style>
-      <a:lnRef idx="2">
-        <a:scrgbClr r="0" g="0" b="0"/>
-      </a:lnRef>
-      <a:fillRef idx="1">
-        <a:scrgbClr r="0" g="0" b="0"/>
-      </a:fillRef>
-      <a:effectRef idx="0">
-        <a:scrgbClr r="0" g="0" b="0"/>
-      </a:effectRef>
-      <a:fontRef idx="minor">
-        <a:schemeClr val="lt1"/>
-      </a:fontRef>
-    </dgm:style>
-  </dgm:styleLbl>
-  <dgm:styleLbl name="node3">
-    <dgm:scene3d>
-      <a:camera prst="orthographicFront"/>
-      <a:lightRig rig="threePt" dir="t"/>
-    </dgm:scene3d>
-    <dgm:sp3d/>
-    <dgm:txPr/>
-    <dgm:style>
-      <a:lnRef idx="2">
-        <a:scrgbClr r="0" g="0" b="0"/>
-      </a:lnRef>
-      <a:fillRef idx="1">
-        <a:scrgbClr r="0" g="0" b="0"/>
-      </a:fillRef>
-      <a:effectRef idx="0">
-        <a:scrgbClr r="0" g="0" b="0"/>
-      </a:effectRef>
-      <a:fontRef idx="minor">
-        <a:schemeClr val="lt1"/>
-      </a:fontRef>
-    </dgm:style>
-  </dgm:styleLbl>
-  <dgm:styleLbl name="node4">
-    <dgm:scene3d>
-      <a:camera prst="orthographicFront"/>
-      <a:lightRig rig="threePt" dir="t"/>
-    </dgm:scene3d>
-    <dgm:sp3d/>
-    <dgm:txPr/>
-    <dgm:style>
-      <a:lnRef idx="2">
-        <a:scrgbClr r="0" g="0" b="0"/>
-      </a:lnRef>
-      <a:fillRef idx="1">
-        <a:scrgbClr r="0" g="0" b="0"/>
-      </a:fillRef>
-      <a:effectRef idx="0">
-        <a:scrgbClr r="0" g="0" b="0"/>
-      </a:effectRef>
-      <a:fontRef idx="minor">
-        <a:schemeClr val="lt1"/>
-      </a:fontRef>
-    </dgm:style>
-  </dgm:styleLbl>
-  <dgm:styleLbl name="fgImgPlace1">
-    <dgm:scene3d>
-      <a:camera prst="orthographicFront"/>
-      <a:lightRig rig="threePt" dir="t"/>
-    </dgm:scene3d>
-    <dgm:sp3d/>
-    <dgm:txPr/>
-    <dgm:style>
-      <a:lnRef idx="2">
-        <a:scrgbClr r="0" g="0" b="0"/>
-      </a:lnRef>
-      <a:fillRef idx="1">
-        <a:scrgbClr r="0" g="0" b="0"/>
-      </a:fillRef>
-      <a:effectRef idx="0">
-        <a:scrgbClr r="0" g="0" b="0"/>
-      </a:effectRef>
-      <a:fontRef idx="minor"/>
-    </dgm:style>
-  </dgm:styleLbl>
-  <dgm:styleLbl name="alignImgPlace1">
-    <dgm:scene3d>
-      <a:camera prst="orthographicFront"/>
-      <a:lightRig rig="threePt" dir="t"/>
-    </dgm:scene3d>
-    <dgm:sp3d/>
-    <dgm:txPr/>
-    <dgm:style>
-      <a:lnRef idx="2">
-        <a:scrgbClr r="0" g="0" b="0"/>
-      </a:lnRef>
-      <a:fillRef idx="1">
-        <a:scrgbClr r="0" g="0" b="0"/>
-      </a:fillRef>
-      <a:effectRef idx="0">
-        <a:scrgbClr r="0" g="0" b="0"/>
-      </a:effectRef>
-      <a:fontRef idx="minor"/>
-    </dgm:style>
-  </dgm:styleLbl>
-  <dgm:styleLbl name="bgImgPlace1">
-    <dgm:scene3d>
-      <a:camera prst="orthographicFront"/>
-      <a:lightRig rig="threePt" dir="t"/>
-    </dgm:scene3d>
-    <dgm:sp3d/>
-    <dgm:txPr/>
-    <dgm:style>
-      <a:lnRef idx="2">
-        <a:scrgbClr r="0" g="0" b="0"/>
-      </a:lnRef>
-      <a:fillRef idx="1">
-        <a:scrgbClr r="0" g="0" b="0"/>
-      </a:fillRef>
-      <a:effectRef idx="0">
-        <a:scrgbClr r="0" g="0" b="0"/>
-      </a:effectRef>
-      <a:fontRef idx="minor"/>
-    </dgm:style>
-  </dgm:styleLbl>
-  <dgm:styleLbl name="sibTrans2D1">
-    <dgm:scene3d>
-      <a:camera prst="orthographicFront"/>
-      <a:lightRig rig="threePt" dir="t"/>
-    </dgm:scene3d>
-    <dgm:sp3d/>
-    <dgm:txPr/>
-    <dgm:style>
-      <a:lnRef idx="0">
-        <a:scrgbClr r="0" g="0" b="0"/>
-      </a:lnRef>
-      <a:fillRef idx="1">
-        <a:scrgbClr r="0" g="0" b="0"/>
-      </a:fillRef>
-      <a:effectRef idx="0">
-        <a:scrgbClr r="0" g="0" b="0"/>
-      </a:effectRef>
-      <a:fontRef idx="minor">
-        <a:schemeClr val="lt1"/>
-      </a:fontRef>
-    </dgm:style>
-  </dgm:styleLbl>
-  <dgm:styleLbl name="fgSibTrans2D1">
-    <dgm:scene3d>
-      <a:camera prst="orthographicFront"/>
-      <a:lightRig rig="threePt" dir="t"/>
-    </dgm:scene3d>
-    <dgm:sp3d/>
-    <dgm:txPr/>
-    <dgm:style>
-      <a:lnRef idx="0">
-        <a:scrgbClr r="0" g="0" b="0"/>
-      </a:lnRef>
-      <a:fillRef idx="1">
-        <a:scrgbClr r="0" g="0" b="0"/>
-      </a:fillRef>
-      <a:effectRef idx="0">
-        <a:scrgbClr r="0" g="0" b="0"/>
-      </a:effectRef>
-      <a:fontRef idx="minor">
-        <a:schemeClr val="lt1"/>
-      </a:fontRef>
-    </dgm:style>
-  </dgm:styleLbl>
-  <dgm:styleLbl name="bgSibTrans2D1">
-    <dgm:scene3d>
-      <a:camera prst="orthographicFront"/>
-      <a:lightRig rig="threePt" dir="t"/>
-    </dgm:scene3d>
-    <dgm:sp3d/>
-    <dgm:txPr/>
-    <dgm:style>
-      <a:lnRef idx="0">
-        <a:scrgbClr r="0" g="0" b="0"/>
-      </a:lnRef>
-      <a:fillRef idx="1">
-        <a:scrgbClr r="0" g="0" b="0"/>
-      </a:fillRef>
-      <a:effectRef idx="0">
-        <a:scrgbClr r="0" g="0" b="0"/>
-      </a:effectRef>
-      <a:fontRef idx="minor">
-        <a:schemeClr val="lt1"/>
-      </a:fontRef>
-    </dgm:style>
-  </dgm:styleLbl>
-  <dgm:styleLbl name="sibTrans1D1">
-    <dgm:scene3d>
-      <a:camera prst="orthographicFront"/>
-      <a:lightRig rig="threePt" dir="t"/>
-    </dgm:scene3d>
-    <dgm:sp3d/>
-    <dgm:txPr/>
-    <dgm:style>
-      <a:lnRef idx="1">
-        <a:scrgbClr r="0" g="0" b="0"/>
-      </a:lnRef>
-      <a:fillRef idx="0">
-        <a:scrgbClr r="0" g="0" b="0"/>
-      </a:fillRef>
-      <a:effectRef idx="0">
-        <a:scrgbClr r="0" g="0" b="0"/>
-      </a:effectRef>
-      <a:fontRef idx="minor"/>
-    </dgm:style>
-  </dgm:styleLbl>
-  <dgm:styleLbl name="callout">
-    <dgm:scene3d>
-      <a:camera prst="orthographicFront"/>
-      <a:lightRig rig="threePt" dir="t"/>
-    </dgm:scene3d>
-    <dgm:sp3d/>
-    <dgm:txPr/>
-    <dgm:style>
-      <a:lnRef idx="2">
-        <a:scrgbClr r="0" g="0" b="0"/>
-      </a:lnRef>
-      <a:fillRef idx="1">
-        <a:scrgbClr r="0" g="0" b="0"/>
-      </a:fillRef>
-      <a:effectRef idx="0">
-        <a:scrgbClr r="0" g="0" b="0"/>
-      </a:effectRef>
-      <a:fontRef idx="minor"/>
-    </dgm:style>
-  </dgm:styleLbl>
-  <dgm:styleLbl name="asst0">
-    <dgm:scene3d>
-      <a:camera prst="orthographicFront"/>
-      <a:lightRig rig="threePt" dir="t"/>
-    </dgm:scene3d>
-    <dgm:sp3d/>
-    <dgm:txPr/>
-    <dgm:style>
-      <a:lnRef idx="2">
-        <a:scrgbClr r="0" g="0" b="0"/>
-      </a:lnRef>
-      <a:fillRef idx="1">
-        <a:scrgbClr r="0" g="0" b="0"/>
-      </a:fillRef>
-      <a:effectRef idx="0">
-        <a:scrgbClr r="0" g="0" b="0"/>
-      </a:effectRef>
-      <a:fontRef idx="minor">
-        <a:schemeClr val="lt1"/>
-      </a:fontRef>
-    </dgm:style>
-  </dgm:styleLbl>
-  <dgm:styleLbl name="asst1">
-    <dgm:scene3d>
-      <a:camera prst="orthographicFront"/>
-      <a:lightRig rig="threePt" dir="t"/>
-    </dgm:scene3d>
-    <dgm:sp3d/>
-    <dgm:txPr/>
-    <dgm:style>
-      <a:lnRef idx="2">
-        <a:scrgbClr r="0" g="0" b="0"/>
-      </a:lnRef>
-      <a:fillRef idx="1">
-        <a:scrgbClr r="0" g="0" b="0"/>
-      </a:fillRef>
-      <a:effectRef idx="0">
-        <a:scrgbClr r="0" g="0" b="0"/>
-      </a:effectRef>
-      <a:fontRef idx="minor">
-        <a:schemeClr val="lt1"/>
-      </a:fontRef>
-    </dgm:style>
-  </dgm:styleLbl>
-  <dgm:styleLbl name="asst2">
-    <dgm:scene3d>
-      <a:camera prst="orthographicFront"/>
-      <a:lightRig rig="threePt" dir="t"/>
-    </dgm:scene3d>
-    <dgm:sp3d/>
-    <dgm:txPr/>
-    <dgm:style>
-      <a:lnRef idx="2">
-        <a:scrgbClr r="0" g="0" b="0"/>
-      </a:lnRef>
-      <a:fillRef idx="1">
-        <a:scrgbClr r="0" g="0" b="0"/>
-      </a:fillRef>
-      <a:effectRef idx="0">
-        <a:scrgbClr r="0" g="0" b="0"/>
-      </a:effectRef>
-      <a:fontRef idx="minor">
-        <a:schemeClr val="lt1"/>
-      </a:fontRef>
-    </dgm:style>
-  </dgm:styleLbl>
-  <dgm:styleLbl name="asst3">
-    <dgm:scene3d>
-      <a:camera prst="orthographicFront"/>
-      <a:lightRig rig="threePt" dir="t"/>
-    </dgm:scene3d>
-    <dgm:sp3d/>
-    <dgm:txPr/>
-    <dgm:style>
-      <a:lnRef idx="2">
-        <a:scrgbClr r="0" g="0" b="0"/>
-      </a:lnRef>
-      <a:fillRef idx="1">
-        <a:scrgbClr r="0" g="0" b="0"/>
-      </a:fillRef>
-      <a:effectRef idx="0">
-        <a:scrgbClr r="0" g="0" b="0"/>
-      </a:effectRef>
-      <a:fontRef idx="minor">
-        <a:schemeClr val="lt1"/>
-      </a:fontRef>
-    </dgm:style>
-  </dgm:styleLbl>
-  <dgm:styleLbl name="asst4">
-    <dgm:scene3d>
-      <a:camera prst="orthographicFront"/>
-      <a:lightRig rig="threePt" dir="t"/>
-    </dgm:scene3d>
-    <dgm:sp3d/>
-    <dgm:txPr/>
-    <dgm:style>
-      <a:lnRef idx="2">
-        <a:scrgbClr r="0" g="0" b="0"/>
-      </a:lnRef>
-      <a:fillRef idx="1">
-        <a:scrgbClr r="0" g="0" b="0"/>
-      </a:fillRef>
-      <a:effectRef idx="0">
-        <a:scrgbClr r="0" g="0" b="0"/>
-      </a:effectRef>
-      <a:fontRef idx="minor">
-        <a:schemeClr val="lt1"/>
-      </a:fontRef>
-    </dgm:style>
-  </dgm:styleLbl>
-  <dgm:styleLbl name="parChTrans2D1">
-    <dgm:scene3d>
-      <a:camera prst="orthographicFront"/>
-      <a:lightRig rig="threePt" dir="t"/>
-    </dgm:scene3d>
-    <dgm:sp3d/>
-    <dgm:txPr/>
-    <dgm:style>
-      <a:lnRef idx="2">
-        <a:scrgbClr r="0" g="0" b="0"/>
-      </a:lnRef>
-      <a:fillRef idx="1">
-        <a:scrgbClr r="0" g="0" b="0"/>
-      </a:fillRef>
-      <a:effectRef idx="0">
-        <a:scrgbClr r="0" g="0" b="0"/>
-      </a:effectRef>
-      <a:fontRef idx="minor">
-        <a:schemeClr val="lt1"/>
-      </a:fontRef>
-    </dgm:style>
-  </dgm:styleLbl>
-  <dgm:styleLbl name="parChTrans2D2">
-    <dgm:scene3d>
-      <a:camera prst="orthographicFront"/>
-      <a:lightRig rig="threePt" dir="t"/>
-    </dgm:scene3d>
-    <dgm:sp3d/>
-    <dgm:txPr/>
-    <dgm:style>
-      <a:lnRef idx="2">
-        <a:scrgbClr r="0" g="0" b="0"/>
-      </a:lnRef>
-      <a:fillRef idx="1">
-        <a:scrgbClr r="0" g="0" b="0"/>
-      </a:fillRef>
-      <a:effectRef idx="0">
-        <a:scrgbClr r="0" g="0" b="0"/>
-      </a:effectRef>
-      <a:fontRef idx="minor">
-        <a:schemeClr val="lt1"/>
-      </a:fontRef>
-    </dgm:style>
-  </dgm:styleLbl>
-  <dgm:styleLbl name="parChTrans2D3">
-    <dgm:scene3d>
-      <a:camera prst="orthographicFront"/>
-      <a:lightRig rig="threePt" dir="t"/>
-    </dgm:scene3d>
-    <dgm:sp3d/>
-    <dgm:txPr/>
-    <dgm:style>
-      <a:lnRef idx="2">
-        <a:scrgbClr r="0" g="0" b="0"/>
-      </a:lnRef>
-      <a:fillRef idx="1">
-        <a:scrgbClr r="0" g="0" b="0"/>
-      </a:fillRef>
-      <a:effectRef idx="0">
-        <a:scrgbClr r="0" g="0" b="0"/>
-      </a:effectRef>
-      <a:fontRef idx="minor">
-        <a:schemeClr val="lt1"/>
-      </a:fontRef>
-    </dgm:style>
-  </dgm:styleLbl>
-  <dgm:styleLbl name="parChTrans2D4">
-    <dgm:scene3d>
-      <a:camera prst="orthographicFront"/>
-      <a:lightRig rig="threePt" dir="t"/>
-    </dgm:scene3d>
-    <dgm:sp3d/>
-    <dgm:txPr/>
-    <dgm:style>
-      <a:lnRef idx="2">
-        <a:scrgbClr r="0" g="0" b="0"/>
-      </a:lnRef>
-      <a:fillRef idx="1">
-        <a:scrgbClr r="0" g="0" b="0"/>
-      </a:fillRef>
-      <a:effectRef idx="0">
-        <a:scrgbClr r="0" g="0" b="0"/>
-      </a:effectRef>
-      <a:fontRef idx="minor">
-        <a:schemeClr val="lt1"/>
-      </a:fontRef>
-    </dgm:style>
-  </dgm:styleLbl>
-  <dgm:styleLbl name="parChTrans1D1">
-    <dgm:scene3d>
-      <a:camera prst="orthographicFront"/>
-      <a:lightRig rig="threePt" dir="t"/>
-    </dgm:scene3d>
-    <dgm:sp3d/>
-    <dgm:txPr/>
-    <dgm:style>
-      <a:lnRef idx="2">
-        <a:scrgbClr r="0" g="0" b="0"/>
-      </a:lnRef>
-      <a:fillRef idx="0">
-        <a:scrgbClr r="0" g="0" b="0"/>
-      </a:fillRef>
-      <a:effectRef idx="0">
-        <a:scrgbClr r="0" g="0" b="0"/>
-      </a:effectRef>
-      <a:fontRef idx="minor"/>
-    </dgm:style>
-  </dgm:styleLbl>
-  <dgm:styleLbl name="parChTrans1D2">
-    <dgm:scene3d>
-      <a:camera prst="orthographicFront"/>
-      <a:lightRig rig="threePt" dir="t"/>
-    </dgm:scene3d>
-    <dgm:sp3d/>
-    <dgm:txPr/>
-    <dgm:style>
-      <a:lnRef idx="2">
-        <a:scrgbClr r="0" g="0" b="0"/>
-      </a:lnRef>
-      <a:fillRef idx="0">
-        <a:scrgbClr r="0" g="0" b="0"/>
-      </a:fillRef>
-      <a:effectRef idx="0">
-        <a:scrgbClr r="0" g="0" b="0"/>
-      </a:effectRef>
-      <a:fontRef idx="minor"/>
-    </dgm:style>
-  </dgm:styleLbl>
-  <dgm:styleLbl name="parChTrans1D3">
-    <dgm:scene3d>
-      <a:camera prst="orthographicFront"/>
-      <a:lightRig rig="threePt" dir="t"/>
-    </dgm:scene3d>
-    <dgm:sp3d/>
-    <dgm:txPr/>
-    <dgm:style>
-      <a:lnRef idx="2">
-        <a:scrgbClr r="0" g="0" b="0"/>
-      </a:lnRef>
-      <a:fillRef idx="0">
-        <a:scrgbClr r="0" g="0" b="0"/>
-      </a:fillRef>
-      <a:effectRef idx="0">
-        <a:scrgbClr r="0" g="0" b="0"/>
-      </a:effectRef>
-      <a:fontRef idx="minor"/>
-    </dgm:style>
-  </dgm:styleLbl>
-  <dgm:styleLbl name="parChTrans1D4">
-    <dgm:scene3d>
-      <a:camera prst="orthographicFront"/>
-      <a:lightRig rig="threePt" dir="t"/>
-    </dgm:scene3d>
-    <dgm:sp3d/>
-    <dgm:txPr/>
-    <dgm:style>
-      <a:lnRef idx="2">
-        <a:scrgbClr r="0" g="0" b="0"/>
-      </a:lnRef>
-      <a:fillRef idx="0">
-        <a:scrgbClr r="0" g="0" b="0"/>
-      </a:fillRef>
-      <a:effectRef idx="0">
-        <a:scrgbClr r="0" g="0" b="0"/>
-      </a:effectRef>
-      <a:fontRef idx="minor"/>
-    </dgm:style>
-  </dgm:styleLbl>
-  <dgm:styleLbl name="fgAcc1">
-    <dgm:scene3d>
-      <a:camera prst="orthographicFront"/>
-      <a:lightRig rig="threePt" dir="t"/>
-    </dgm:scene3d>
-    <dgm:sp3d/>
-    <dgm:txPr/>
-    <dgm:style>
-      <a:lnRef idx="2">
-        <a:scrgbClr r="0" g="0" b="0"/>
-      </a:lnRef>
-      <a:fillRef idx="1">
-        <a:scrgbClr r="0" g="0" b="0"/>
-      </a:fillRef>
-      <a:effectRef idx="0">
-        <a:scrgbClr r="0" g="0" b="0"/>
-      </a:effectRef>
-      <a:fontRef idx="minor"/>
-    </dgm:style>
-  </dgm:styleLbl>
-  <dgm:styleLbl name="conFgAcc1">
-    <dgm:scene3d>
-      <a:camera prst="orthographicFront"/>
-      <a:lightRig rig="threePt" dir="t"/>
-    </dgm:scene3d>
-    <dgm:sp3d/>
-    <dgm:txPr/>
-    <dgm:style>
-      <a:lnRef idx="2">
-        <a:scrgbClr r="0" g="0" b="0"/>
-      </a:lnRef>
-      <a:fillRef idx="1">
-        <a:scrgbClr r="0" g="0" b="0"/>
-      </a:fillRef>
-      <a:effectRef idx="0">
-        <a:scrgbClr r="0" g="0" b="0"/>
-      </a:effectRef>
-      <a:fontRef idx="minor"/>
-    </dgm:style>
-  </dgm:styleLbl>
-  <dgm:styleLbl name="alignAcc1">
-    <dgm:scene3d>
-      <a:camera prst="orthographicFront"/>
-      <a:lightRig rig="threePt" dir="t"/>
-    </dgm:scene3d>
-    <dgm:sp3d/>
-    <dgm:txPr/>
-    <dgm:style>
-      <a:lnRef idx="2">
-        <a:scrgbClr r="0" g="0" b="0"/>
-      </a:lnRef>
-      <a:fillRef idx="1">
-        <a:scrgbClr r="0" g="0" b="0"/>
-      </a:fillRef>
-      <a:effectRef idx="0">
-        <a:scrgbClr r="0" g="0" b="0"/>
-      </a:effectRef>
-      <a:fontRef idx="minor"/>
-    </dgm:style>
-  </dgm:styleLbl>
-  <dgm:styleLbl name="trAlignAcc1">
-    <dgm:scene3d>
-      <a:camera prst="orthographicFront"/>
-      <a:lightRig rig="threePt" dir="t"/>
-    </dgm:scene3d>
-    <dgm:sp3d/>
-    <dgm:txPr/>
-    <dgm:style>
-      <a:lnRef idx="1">
-        <a:scrgbClr r="0" g="0" b="0"/>
-      </a:lnRef>
-      <a:fillRef idx="1">
-        <a:scrgbClr r="0" g="0" b="0"/>
-      </a:fillRef>
-      <a:effectRef idx="0">
-        <a:scrgbClr r="0" g="0" b="0"/>
-      </a:effectRef>
-      <a:fontRef idx="minor"/>
-    </dgm:style>
-  </dgm:styleLbl>
-  <dgm:styleLbl name="bgAcc1">
-    <dgm:scene3d>
-      <a:camera prst="orthographicFront"/>
-      <a:lightRig rig="threePt" dir="t"/>
-    </dgm:scene3d>
-    <dgm:sp3d/>
-    <dgm:txPr/>
-    <dgm:style>
-      <a:lnRef idx="2">
-        <a:scrgbClr r="0" g="0" b="0"/>
-      </a:lnRef>
-      <a:fillRef idx="1">
-        <a:scrgbClr r="0" g="0" b="0"/>
-      </a:fillRef>
-      <a:effectRef idx="0">
-        <a:scrgbClr r="0" g="0" b="0"/>
-      </a:effectRef>
-      <a:fontRef idx="minor"/>
-    </dgm:style>
-  </dgm:styleLbl>
-  <dgm:styleLbl name="solidFgAcc1">
-    <dgm:scene3d>
-      <a:camera prst="orthographicFront"/>
-      <a:lightRig rig="threePt" dir="t"/>
-    </dgm:scene3d>
-    <dgm:sp3d/>
-    <dgm:txPr/>
-    <dgm:style>
-      <a:lnRef idx="2">
-        <a:scrgbClr r="0" g="0" b="0"/>
-      </a:lnRef>
-      <a:fillRef idx="1">
-        <a:scrgbClr r="0" g="0" b="0"/>
-      </a:fillRef>
-      <a:effectRef idx="0">
-        <a:scrgbClr r="0" g="0" b="0"/>
-      </a:effectRef>
-      <a:fontRef idx="minor"/>
-    </dgm:style>
-  </dgm:styleLbl>
-  <dgm:styleLbl name="solidAlignAcc1">
-    <dgm:scene3d>
-      <a:camera prst="orthographicFront"/>
-      <a:lightRig rig="threePt" dir="t"/>
-    </dgm:scene3d>
-    <dgm:sp3d/>
-    <dgm:txPr/>
-    <dgm:style>
-      <a:lnRef idx="2">
-        <a:scrgbClr r="0" g="0" b="0"/>
-      </a:lnRef>
-      <a:fillRef idx="1">
-        <a:scrgbClr r="0" g="0" b="0"/>
-      </a:fillRef>
-      <a:effectRef idx="0">
-        <a:scrgbClr r="0" g="0" b="0"/>
-      </a:effectRef>
-      <a:fontRef idx="minor"/>
-    </dgm:style>
-  </dgm:styleLbl>
-  <dgm:styleLbl name="solidBgAcc1">
-    <dgm:scene3d>
-      <a:camera prst="orthographicFront"/>
-      <a:lightRig rig="threePt" dir="t"/>
-    </dgm:scene3d>
-    <dgm:sp3d/>
-    <dgm:txPr/>
-    <dgm:style>
-      <a:lnRef idx="2">
-        <a:scrgbClr r="0" g="0" b="0"/>
-      </a:lnRef>
-      <a:fillRef idx="1">
-        <a:scrgbClr r="0" g="0" b="0"/>
-      </a:fillRef>
-      <a:effectRef idx="0">
-        <a:scrgbClr r="0" g="0" b="0"/>
-      </a:effectRef>
-      <a:fontRef idx="minor"/>
-    </dgm:style>
-  </dgm:styleLbl>
-  <dgm:styleLbl name="fgAccFollowNode1">
-    <dgm:scene3d>
-      <a:camera prst="orthographicFront"/>
-      <a:lightRig rig="threePt" dir="t"/>
-    </dgm:scene3d>
-    <dgm:sp3d/>
-    <dgm:txPr/>
-    <dgm:style>
-      <a:lnRef idx="2">
-        <a:scrgbClr r="0" g="0" b="0"/>
-      </a:lnRef>
-      <a:fillRef idx="1">
-        <a:scrgbClr r="0" g="0" b="0"/>
-      </a:fillRef>
-      <a:effectRef idx="0">
-        <a:scrgbClr r="0" g="0" b="0"/>
-      </a:effectRef>
-      <a:fontRef idx="minor"/>
-    </dgm:style>
-  </dgm:styleLbl>
-  <dgm:styleLbl name="alignAccFollowNode1">
-    <dgm:scene3d>
-      <a:camera prst="orthographicFront"/>
-      <a:lightRig rig="threePt" dir="t"/>
-    </dgm:scene3d>
-    <dgm:sp3d/>
-    <dgm:txPr/>
-    <dgm:style>
-      <a:lnRef idx="2">
-        <a:scrgbClr r="0" g="0" b="0"/>
-      </a:lnRef>
-      <a:fillRef idx="1">
-        <a:scrgbClr r="0" g="0" b="0"/>
-      </a:fillRef>
-      <a:effectRef idx="0">
-        <a:scrgbClr r="0" g="0" b="0"/>
-      </a:effectRef>
-      <a:fontRef idx="minor"/>
-    </dgm:style>
-  </dgm:styleLbl>
-  <dgm:styleLbl name="bgAccFollowNode1">
-    <dgm:scene3d>
-      <a:camera prst="orthographicFront"/>
-      <a:lightRig rig="threePt" dir="t"/>
-    </dgm:scene3d>
-    <dgm:sp3d/>
-    <dgm:txPr/>
-    <dgm:style>
-      <a:lnRef idx="2">
-        <a:scrgbClr r="0" g="0" b="0"/>
-      </a:lnRef>
-      <a:fillRef idx="1">
-        <a:scrgbClr r="0" g="0" b="0"/>
-      </a:fillRef>
-      <a:effectRef idx="0">
-        <a:scrgbClr r="0" g="0" b="0"/>
-      </a:effectRef>
-      <a:fontRef idx="minor"/>
-    </dgm:style>
-  </dgm:styleLbl>
-  <dgm:styleLbl name="fgAcc0">
-    <dgm:scene3d>
-      <a:camera prst="orthographicFront"/>
-      <a:lightRig rig="threePt" dir="t"/>
-    </dgm:scene3d>
-    <dgm:sp3d/>
-    <dgm:txPr/>
-    <dgm:style>
-      <a:lnRef idx="2">
-        <a:scrgbClr r="0" g="0" b="0"/>
-      </a:lnRef>
-      <a:fillRef idx="1">
-        <a:scrgbClr r="0" g="0" b="0"/>
-      </a:fillRef>
-      <a:effectRef idx="0">
-        <a:scrgbClr r="0" g="0" b="0"/>
-      </a:effectRef>
-      <a:fontRef idx="minor"/>
-    </dgm:style>
-  </dgm:styleLbl>
-  <dgm:styleLbl name="fgAcc2">
-    <dgm:scene3d>
-      <a:camera prst="orthographicFront"/>
-      <a:lightRig rig="threePt" dir="t"/>
-    </dgm:scene3d>
-    <dgm:sp3d/>
-    <dgm:txPr/>
-    <dgm:style>
-      <a:lnRef idx="2">
-        <a:scrgbClr r="0" g="0" b="0"/>
-      </a:lnRef>
-      <a:fillRef idx="1">
-        <a:scrgbClr r="0" g="0" b="0"/>
-      </a:fillRef>
-      <a:effectRef idx="0">
-        <a:scrgbClr r="0" g="0" b="0"/>
-      </a:effectRef>
-      <a:fontRef idx="minor"/>
-    </dgm:style>
-  </dgm:styleLbl>
-  <dgm:styleLbl name="fgAcc3">
-    <dgm:scene3d>
-      <a:camera prst="orthographicFront"/>
-      <a:lightRig rig="threePt" dir="t"/>
-    </dgm:scene3d>
-    <dgm:sp3d/>
-    <dgm:txPr/>
-    <dgm:style>
-      <a:lnRef idx="2">
-        <a:scrgbClr r="0" g="0" b="0"/>
-      </a:lnRef>
-      <a:fillRef idx="1">
-        <a:scrgbClr r="0" g="0" b="0"/>
-      </a:fillRef>
-      <a:effectRef idx="0">
-        <a:scrgbClr r="0" g="0" b="0"/>
-      </a:effectRef>
-      <a:fontRef idx="minor"/>
-    </dgm:style>
-  </dgm:styleLbl>
-  <dgm:styleLbl name="fgAcc4">
-    <dgm:scene3d>
-      <a:camera prst="orthographicFront"/>
-      <a:lightRig rig="threePt" dir="t"/>
-    </dgm:scene3d>
-    <dgm:sp3d/>
-    <dgm:txPr/>
-    <dgm:style>
-      <a:lnRef idx="2">
-        <a:scrgbClr r="0" g="0" b="0"/>
-      </a:lnRef>
-      <a:fillRef idx="1">
-        <a:scrgbClr r="0" g="0" b="0"/>
-      </a:fillRef>
-      <a:effectRef idx="0">
-        <a:scrgbClr r="0" g="0" b="0"/>
-      </a:effectRef>
-      <a:fontRef idx="minor"/>
-    </dgm:style>
-  </dgm:styleLbl>
-  <dgm:styleLbl name="bgShp">
-    <dgm:scene3d>
-      <a:camera prst="orthographicFront"/>
-      <a:lightRig rig="threePt" dir="t"/>
-    </dgm:scene3d>
-    <dgm:sp3d/>
-    <dgm:txPr/>
-    <dgm:style>
-      <a:lnRef idx="0">
-        <a:scrgbClr r="0" g="0" b="0"/>
-      </a:lnRef>
-      <a:fillRef idx="1">
-        <a:scrgbClr r="0" g="0" b="0"/>
-      </a:fillRef>
-      <a:effectRef idx="0">
-        <a:scrgbClr r="0" g="0" b="0"/>
-      </a:effectRef>
-      <a:fontRef idx="minor"/>
-    </dgm:style>
-  </dgm:styleLbl>
-  <dgm:styleLbl name="dkBgShp">
-    <dgm:scene3d>
-      <a:camera prst="orthographicFront"/>
-      <a:lightRig rig="threePt" dir="t"/>
-    </dgm:scene3d>
-    <dgm:sp3d/>
-    <dgm:txPr/>
-    <dgm:style>
-      <a:lnRef idx="0">
-        <a:scrgbClr r="0" g="0" b="0"/>
-      </a:lnRef>
-      <a:fillRef idx="1">
-        <a:scrgbClr r="0" g="0" b="0"/>
-      </a:fillRef>
-      <a:effectRef idx="0">
-        <a:scrgbClr r="0" g="0" b="0"/>
-      </a:effectRef>
-      <a:fontRef idx="minor"/>
-    </dgm:style>
-  </dgm:styleLbl>
-  <dgm:styleLbl name="trBgShp">
-    <dgm:scene3d>
-      <a:camera prst="orthographicFront"/>
-      <a:lightRig rig="threePt" dir="t"/>
-    </dgm:scene3d>
-    <dgm:sp3d/>
-    <dgm:txPr/>
-    <dgm:style>
-      <a:lnRef idx="0">
-        <a:scrgbClr r="0" g="0" b="0"/>
-      </a:lnRef>
-      <a:fillRef idx="1">
-        <a:scrgbClr r="0" g="0" b="0"/>
-      </a:fillRef>
-      <a:effectRef idx="0">
-        <a:scrgbClr r="0" g="0" b="0"/>
-      </a:effectRef>
-      <a:fontRef idx="minor"/>
-    </dgm:style>
-  </dgm:styleLbl>
-  <dgm:styleLbl name="fgShp">
-    <dgm:scene3d>
-      <a:camera prst="orthographicFront"/>
-      <a:lightRig rig="threePt" dir="t"/>
-    </dgm:scene3d>
-    <dgm:sp3d/>
-    <dgm:txPr/>
-    <dgm:style>
-      <a:lnRef idx="2">
-        <a:scrgbClr r="0" g="0" b="0"/>
-      </a:lnRef>
-      <a:fillRef idx="1">
-        <a:scrgbClr r="0" g="0" b="0"/>
-      </a:fillRef>
-      <a:effectRef idx="0">
-        <a:scrgbClr r="0" g="0" b="0"/>
-      </a:effectRef>
-      <a:fontRef idx="minor"/>
-    </dgm:style>
-  </dgm:styleLbl>
-  <dgm:styleLbl name="revTx">
-    <dgm:scene3d>
-      <a:camera prst="orthographicFront"/>
-      <a:lightRig rig="threePt" dir="t"/>
-    </dgm:scene3d>
-    <dgm:sp3d/>
-    <dgm:txPr/>
-    <dgm:style>
-      <a:lnRef idx="0">
-        <a:scrgbClr r="0" g="0" b="0"/>
-      </a:lnRef>
-      <a:fillRef idx="0">
-        <a:scrgbClr r="0" g="0" b="0"/>
-      </a:fillRef>
-      <a:effectRef idx="0">
-        <a:scrgbClr r="0" g="0" b="0"/>
-      </a:effectRef>
-      <a:fontRef idx="minor"/>
-    </dgm:style>
-  </dgm:styleLbl>
-</dgm:styleDef>
-</file>
-
-<file path=ppt/diagrams/quickStyle4.xml><?xml version="1.0" encoding="utf-8"?>
 <dgm:styleDef xmlns:dgm="http://schemas.openxmlformats.org/drawingml/2006/diagram" xmlns:a="http://schemas.openxmlformats.org/drawingml/2006/main" uniqueId="urn:microsoft.com/office/officeart/2005/8/quickstyle/simple1">
   <dgm:title val=""/>
   <dgm:desc val=""/>
@@ -13189,7 +10437,7 @@
             <a:fld id="{5586B75A-687E-405C-8A0B-8D00578BA2C3}" type="datetimeFigureOut">
               <a:rPr lang="en-US" dirty="0"/>
               <a:pPr/>
-              <a:t>3/29/2017</a:t>
+              <a:t>3/31/2017</a:t>
             </a:fld>
             <a:endParaRPr lang="en-US" dirty="0"/>
           </a:p>
@@ -13367,7 +10615,7 @@
             <a:fld id="{5586B75A-687E-405C-8A0B-8D00578BA2C3}" type="datetimeFigureOut">
               <a:rPr lang="en-US" dirty="0"/>
               <a:pPr/>
-              <a:t>3/29/2017</a:t>
+              <a:t>3/31/2017</a:t>
             </a:fld>
             <a:endParaRPr lang="en-US" dirty="0"/>
           </a:p>
@@ -13550,7 +10798,7 @@
             <a:fld id="{5586B75A-687E-405C-8A0B-8D00578BA2C3}" type="datetimeFigureOut">
               <a:rPr lang="en-US" dirty="0"/>
               <a:pPr/>
-              <a:t>3/29/2017</a:t>
+              <a:t>3/31/2017</a:t>
             </a:fld>
             <a:endParaRPr lang="en-US" dirty="0"/>
           </a:p>
@@ -13728,7 +10976,7 @@
             <a:fld id="{5586B75A-687E-405C-8A0B-8D00578BA2C3}" type="datetimeFigureOut">
               <a:rPr lang="en-US" dirty="0"/>
               <a:pPr/>
-              <a:t>3/29/2017</a:t>
+              <a:t>3/31/2017</a:t>
             </a:fld>
             <a:endParaRPr lang="en-US" dirty="0"/>
           </a:p>
@@ -13989,7 +11237,7 @@
             <a:fld id="{5586B75A-687E-405C-8A0B-8D00578BA2C3}" type="datetimeFigureOut">
               <a:rPr lang="en-US" dirty="0"/>
               <a:pPr/>
-              <a:t>3/29/2017</a:t>
+              <a:t>3/31/2017</a:t>
             </a:fld>
             <a:endParaRPr lang="en-US" dirty="0"/>
           </a:p>
@@ -14283,7 +11531,7 @@
             <a:fld id="{5586B75A-687E-405C-8A0B-8D00578BA2C3}" type="datetimeFigureOut">
               <a:rPr lang="en-US" dirty="0"/>
               <a:pPr/>
-              <a:t>3/29/2017</a:t>
+              <a:t>3/31/2017</a:t>
             </a:fld>
             <a:endParaRPr lang="en-US" dirty="0"/>
           </a:p>
@@ -14737,7 +11985,7 @@
             <a:fld id="{5586B75A-687E-405C-8A0B-8D00578BA2C3}" type="datetimeFigureOut">
               <a:rPr lang="en-US" dirty="0"/>
               <a:pPr/>
-              <a:t>3/29/2017</a:t>
+              <a:t>3/31/2017</a:t>
             </a:fld>
             <a:endParaRPr lang="en-US" dirty="0"/>
           </a:p>
@@ -14855,7 +12103,7 @@
             <a:fld id="{5586B75A-687E-405C-8A0B-8D00578BA2C3}" type="datetimeFigureOut">
               <a:rPr lang="en-US" dirty="0"/>
               <a:pPr/>
-              <a:t>3/29/2017</a:t>
+              <a:t>3/31/2017</a:t>
             </a:fld>
             <a:endParaRPr lang="en-US" dirty="0"/>
           </a:p>
@@ -14950,7 +12198,7 @@
             <a:fld id="{5586B75A-687E-405C-8A0B-8D00578BA2C3}" type="datetimeFigureOut">
               <a:rPr lang="en-US" dirty="0"/>
               <a:pPr/>
-              <a:t>3/29/2017</a:t>
+              <a:t>3/31/2017</a:t>
             </a:fld>
             <a:endParaRPr lang="en-US" dirty="0"/>
           </a:p>
@@ -15244,7 +12492,7 @@
             <a:fld id="{5586B75A-687E-405C-8A0B-8D00578BA2C3}" type="datetimeFigureOut">
               <a:rPr lang="en-US" dirty="0"/>
               <a:pPr/>
-              <a:t>3/29/2017</a:t>
+              <a:t>3/31/2017</a:t>
             </a:fld>
             <a:endParaRPr lang="en-US" dirty="0"/>
           </a:p>
@@ -15523,7 +12771,7 @@
             <a:fld id="{5586B75A-687E-405C-8A0B-8D00578BA2C3}" type="datetimeFigureOut">
               <a:rPr lang="en-US" dirty="0"/>
               <a:pPr/>
-              <a:t>3/29/2017</a:t>
+              <a:t>3/31/2017</a:t>
             </a:fld>
             <a:endParaRPr lang="en-US" dirty="0"/>
           </a:p>
@@ -15758,7 +13006,7 @@
             <a:fld id="{5586B75A-687E-405C-8A0B-8D00578BA2C3}" type="datetimeFigureOut">
               <a:rPr lang="en-US" dirty="0"/>
               <a:pPr/>
-              <a:t>3/29/2017</a:t>
+              <a:t>3/31/2017</a:t>
             </a:fld>
             <a:endParaRPr lang="en-US" dirty="0"/>
           </a:p>
@@ -16257,17 +13505,19 @@
           </a:xfrm>
         </p:spPr>
         <p:txBody>
-          <a:bodyPr/>
+          <a:bodyPr>
+            <a:normAutofit/>
+          </a:bodyPr>
           <a:lstStyle/>
           <a:p>
             <a:pPr algn="ctr"/>
             <a:r>
-              <a:rPr lang="en-US" altLang="zh-CN" dirty="0"/>
-              <a:t>My </a:t>
+              <a:rPr lang="en-US" altLang="zh-CN" dirty="0" err="1"/>
+              <a:t>imagecser</a:t>
             </a:r>
             <a:r>
-              <a:rPr lang="zh-CN" altLang="en-US"/>
-              <a:t>携程</a:t>
+              <a:rPr lang="en-US" altLang="zh-CN" dirty="0"/>
+              <a:t> Trip</a:t>
             </a:r>
             <a:endParaRPr lang="zh-CN" altLang="en-US" dirty="0"/>
           </a:p>
@@ -16340,251 +13590,6 @@
 </file>
 
 <file path=ppt/slides/slide10.xml><?xml version="1.0" encoding="utf-8"?>
-<p:sld xmlns:a="http://schemas.openxmlformats.org/drawingml/2006/main" xmlns:r="http://schemas.openxmlformats.org/officeDocument/2006/relationships" xmlns:p="http://schemas.openxmlformats.org/presentationml/2006/main">
-  <p:cSld>
-    <p:spTree>
-      <p:nvGrpSpPr>
-        <p:cNvPr id="1" name=""/>
-        <p:cNvGrpSpPr/>
-        <p:nvPr/>
-      </p:nvGrpSpPr>
-      <p:grpSpPr>
-        <a:xfrm>
-          <a:off x="0" y="0"/>
-          <a:ext cx="0" cy="0"/>
-          <a:chOff x="0" y="0"/>
-          <a:chExt cx="0" cy="0"/>
-        </a:xfrm>
-      </p:grpSpPr>
-      <p:sp>
-        <p:nvSpPr>
-          <p:cNvPr id="2" name="标题 1"/>
-          <p:cNvSpPr>
-            <a:spLocks noGrp="1"/>
-          </p:cNvSpPr>
-          <p:nvPr>
-            <p:ph type="title"/>
-          </p:nvPr>
-        </p:nvSpPr>
-        <p:spPr/>
-        <p:txBody>
-          <a:bodyPr/>
-          <a:lstStyle/>
-          <a:p>
-            <a:pPr algn="ctr"/>
-            <a:r>
-              <a:rPr lang="zh-CN" altLang="en-US" dirty="0"/>
-              <a:t>模块设计</a:t>
-            </a:r>
-          </a:p>
-        </p:txBody>
-      </p:sp>
-      <p:sp>
-        <p:nvSpPr>
-          <p:cNvPr id="4" name="文本框 3"/>
-          <p:cNvSpPr txBox="1"/>
-          <p:nvPr/>
-        </p:nvSpPr>
-        <p:spPr>
-          <a:xfrm>
-            <a:off x="8719127" y="1182255"/>
-            <a:ext cx="1107996" cy="5078313"/>
-          </a:xfrm>
-          <a:prstGeom prst="rect">
-            <a:avLst/>
-          </a:prstGeom>
-          <a:noFill/>
-        </p:spPr>
-        <p:txBody>
-          <a:bodyPr wrap="none" rtlCol="0">
-            <a:spAutoFit/>
-          </a:bodyPr>
-          <a:lstStyle/>
-          <a:p>
-            <a:r>
-              <a:rPr lang="zh-CN" altLang="en-US" dirty="0"/>
-              <a:t>添加酒店</a:t>
-            </a:r>
-            <a:endParaRPr lang="en-US" altLang="zh-CN" dirty="0"/>
-          </a:p>
-          <a:p>
-            <a:r>
-              <a:rPr lang="zh-CN" altLang="en-US" dirty="0"/>
-              <a:t>删除酒店</a:t>
-            </a:r>
-            <a:endParaRPr lang="en-US" altLang="zh-CN" dirty="0"/>
-          </a:p>
-          <a:p>
-            <a:r>
-              <a:rPr lang="zh-CN" altLang="en-US" dirty="0"/>
-              <a:t>编辑酒店</a:t>
-            </a:r>
-            <a:endParaRPr lang="en-US" altLang="zh-CN" dirty="0"/>
-          </a:p>
-          <a:p>
-            <a:r>
-              <a:rPr lang="zh-CN" altLang="en-US" dirty="0"/>
-              <a:t>存储文件</a:t>
-            </a:r>
-            <a:endParaRPr lang="en-US" altLang="zh-CN" dirty="0"/>
-          </a:p>
-          <a:p>
-            <a:endParaRPr lang="en-US" altLang="zh-CN" dirty="0"/>
-          </a:p>
-          <a:p>
-            <a:endParaRPr lang="en-US" altLang="zh-CN" dirty="0"/>
-          </a:p>
-          <a:p>
-            <a:endParaRPr lang="en-US" altLang="zh-CN" dirty="0"/>
-          </a:p>
-          <a:p>
-            <a:endParaRPr lang="en-US" altLang="zh-CN" dirty="0"/>
-          </a:p>
-          <a:p>
-            <a:r>
-              <a:rPr lang="zh-CN" altLang="en-US" dirty="0"/>
-              <a:t>删除订单</a:t>
-            </a:r>
-            <a:endParaRPr lang="en-US" altLang="zh-CN" dirty="0"/>
-          </a:p>
-          <a:p>
-            <a:r>
-              <a:rPr lang="zh-CN" altLang="en-US" dirty="0"/>
-              <a:t>查找房间</a:t>
-            </a:r>
-            <a:endParaRPr lang="en-US" altLang="zh-CN" dirty="0"/>
-          </a:p>
-          <a:p>
-            <a:r>
-              <a:rPr lang="zh-CN" altLang="en-US" dirty="0"/>
-              <a:t>预定房间</a:t>
-            </a:r>
-            <a:endParaRPr lang="en-US" altLang="zh-CN" dirty="0"/>
-          </a:p>
-          <a:p>
-            <a:r>
-              <a:rPr lang="zh-CN" altLang="en-US" dirty="0"/>
-              <a:t>查看订单</a:t>
-            </a:r>
-            <a:endParaRPr lang="en-US" altLang="zh-CN" dirty="0"/>
-          </a:p>
-          <a:p>
-            <a:endParaRPr lang="en-US" altLang="zh-CN" dirty="0"/>
-          </a:p>
-          <a:p>
-            <a:endParaRPr lang="en-US" altLang="zh-CN" dirty="0"/>
-          </a:p>
-          <a:p>
-            <a:endParaRPr lang="en-US" altLang="zh-CN" dirty="0"/>
-          </a:p>
-          <a:p>
-            <a:endParaRPr lang="en-US" altLang="zh-CN" dirty="0"/>
-          </a:p>
-          <a:p>
-            <a:r>
-              <a:rPr lang="zh-CN" altLang="en-US" dirty="0"/>
-              <a:t>查看明细</a:t>
-            </a:r>
-            <a:endParaRPr lang="en-US" altLang="zh-CN" dirty="0"/>
-          </a:p>
-          <a:p>
-            <a:r>
-              <a:rPr lang="zh-CN" altLang="en-US" dirty="0"/>
-              <a:t>查看所有</a:t>
-            </a:r>
-            <a:endParaRPr lang="en-US" altLang="zh-CN" dirty="0"/>
-          </a:p>
-        </p:txBody>
-      </p:sp>
-      <p:pic>
-        <p:nvPicPr>
-          <p:cNvPr id="5" name="图片 4"/>
-          <p:cNvPicPr>
-            <a:picLocks noChangeAspect="1"/>
-          </p:cNvPicPr>
-          <p:nvPr/>
-        </p:nvPicPr>
-        <p:blipFill>
-          <a:blip r:embed="rId2"/>
-          <a:stretch>
-            <a:fillRect/>
-          </a:stretch>
-        </p:blipFill>
-        <p:spPr>
-          <a:xfrm>
-            <a:off x="4108136" y="887210"/>
-            <a:ext cx="3975727" cy="1911408"/>
-          </a:xfrm>
-          <a:prstGeom prst="rect">
-            <a:avLst/>
-          </a:prstGeom>
-        </p:spPr>
-      </p:pic>
-      <p:pic>
-        <p:nvPicPr>
-          <p:cNvPr id="6" name="图片 5"/>
-          <p:cNvPicPr>
-            <a:picLocks noChangeAspect="1"/>
-          </p:cNvPicPr>
-          <p:nvPr/>
-        </p:nvPicPr>
-        <p:blipFill>
-          <a:blip r:embed="rId3"/>
-          <a:stretch>
-            <a:fillRect/>
-          </a:stretch>
-        </p:blipFill>
-        <p:spPr>
-          <a:xfrm>
-            <a:off x="4196460" y="3333715"/>
-            <a:ext cx="3199494" cy="1376831"/>
-          </a:xfrm>
-          <a:prstGeom prst="rect">
-            <a:avLst/>
-          </a:prstGeom>
-        </p:spPr>
-      </p:pic>
-      <p:pic>
-        <p:nvPicPr>
-          <p:cNvPr id="7" name="图片 6"/>
-          <p:cNvPicPr>
-            <a:picLocks noChangeAspect="1"/>
-          </p:cNvPicPr>
-          <p:nvPr/>
-        </p:nvPicPr>
-        <p:blipFill>
-          <a:blip r:embed="rId4"/>
-          <a:stretch>
-            <a:fillRect/>
-          </a:stretch>
-        </p:blipFill>
-        <p:spPr>
-          <a:xfrm>
-            <a:off x="3896025" y="5213786"/>
-            <a:ext cx="4024880" cy="974578"/>
-          </a:xfrm>
-          <a:prstGeom prst="rect">
-            <a:avLst/>
-          </a:prstGeom>
-        </p:spPr>
-      </p:pic>
-    </p:spTree>
-    <p:extLst>
-      <p:ext uri="{BB962C8B-B14F-4D97-AF65-F5344CB8AC3E}">
-        <p14:creationId xmlns:p14="http://schemas.microsoft.com/office/powerpoint/2010/main" val="1517816113"/>
-      </p:ext>
-    </p:extLst>
-  </p:cSld>
-  <p:clrMapOvr>
-    <a:masterClrMapping/>
-  </p:clrMapOvr>
-  <p:transition spd="slow">
-    <p:cover/>
-  </p:transition>
-</p:sld>
-</file>
-
-<file path=ppt/slides/slide11.xml><?xml version="1.0" encoding="utf-8"?>
 <p:sld xmlns:a="http://schemas.openxmlformats.org/drawingml/2006/main" xmlns:r="http://schemas.openxmlformats.org/officeDocument/2006/relationships" xmlns:p="http://schemas.openxmlformats.org/presentationml/2006/main">
   <p:cSld>
     <p:spTree>
@@ -16712,7 +13717,7 @@
 </p:sld>
 </file>
 
-<file path=ppt/slides/slide12.xml><?xml version="1.0" encoding="utf-8"?>
+<file path=ppt/slides/slide11.xml><?xml version="1.0" encoding="utf-8"?>
 <p:sld xmlns:a="http://schemas.openxmlformats.org/drawingml/2006/main" xmlns:r="http://schemas.openxmlformats.org/officeDocument/2006/relationships" xmlns:p="http://schemas.openxmlformats.org/presentationml/2006/main">
   <p:cSld>
     <p:spTree>
@@ -16971,7 +13976,7 @@
 </p:sld>
 </file>
 
-<file path=ppt/slides/slide13.xml><?xml version="1.0" encoding="utf-8"?>
+<file path=ppt/slides/slide12.xml><?xml version="1.0" encoding="utf-8"?>
 <p:sld xmlns:a="http://schemas.openxmlformats.org/drawingml/2006/main" xmlns:r="http://schemas.openxmlformats.org/officeDocument/2006/relationships" xmlns:p="http://schemas.openxmlformats.org/presentationml/2006/main">
   <p:cSld>
     <p:spTree>
@@ -17708,84 +14713,6 @@
             <a:pPr algn="ctr"/>
             <a:r>
               <a:rPr lang="zh-CN" altLang="en-US" dirty="0"/>
-              <a:t>警察</a:t>
-            </a:r>
-          </a:p>
-        </p:txBody>
-      </p:sp>
-      <p:graphicFrame>
-        <p:nvGraphicFramePr>
-          <p:cNvPr id="7" name="图示 6"/>
-          <p:cNvGraphicFramePr/>
-          <p:nvPr>
-            <p:extLst>
-              <p:ext uri="{D42A27DB-BD31-4B8C-83A1-F6EECF244321}">
-                <p14:modId xmlns:p14="http://schemas.microsoft.com/office/powerpoint/2010/main" val="1016086155"/>
-              </p:ext>
-            </p:extLst>
-          </p:nvPr>
-        </p:nvGraphicFramePr>
-        <p:xfrm>
-          <a:off x="5178321" y="2115426"/>
-          <a:ext cx="5369606" cy="2628217"/>
-        </p:xfrm>
-        <a:graphic>
-          <a:graphicData uri="http://schemas.openxmlformats.org/drawingml/2006/diagram">
-            <dgm:relIds xmlns:dgm="http://schemas.openxmlformats.org/drawingml/2006/diagram" xmlns:r="http://schemas.openxmlformats.org/officeDocument/2006/relationships" r:dm="rId2" r:lo="rId3" r:qs="rId4" r:cs="rId5"/>
-          </a:graphicData>
-        </a:graphic>
-      </p:graphicFrame>
-    </p:spTree>
-    <p:extLst>
-      <p:ext uri="{BB962C8B-B14F-4D97-AF65-F5344CB8AC3E}">
-        <p14:creationId xmlns:p14="http://schemas.microsoft.com/office/powerpoint/2010/main" val="1362752240"/>
-      </p:ext>
-    </p:extLst>
-  </p:cSld>
-  <p:clrMapOvr>
-    <a:masterClrMapping/>
-  </p:clrMapOvr>
-  <p:transition spd="slow">
-    <p:cover/>
-  </p:transition>
-</p:sld>
-</file>
-
-<file path=ppt/slides/slide7.xml><?xml version="1.0" encoding="utf-8"?>
-<p:sld xmlns:a="http://schemas.openxmlformats.org/drawingml/2006/main" xmlns:r="http://schemas.openxmlformats.org/officeDocument/2006/relationships" xmlns:p="http://schemas.openxmlformats.org/presentationml/2006/main">
-  <p:cSld>
-    <p:spTree>
-      <p:nvGrpSpPr>
-        <p:cNvPr id="1" name=""/>
-        <p:cNvGrpSpPr/>
-        <p:nvPr/>
-      </p:nvGrpSpPr>
-      <p:grpSpPr>
-        <a:xfrm>
-          <a:off x="0" y="0"/>
-          <a:ext cx="0" cy="0"/>
-          <a:chOff x="0" y="0"/>
-          <a:chExt cx="0" cy="0"/>
-        </a:xfrm>
-      </p:grpSpPr>
-      <p:sp>
-        <p:nvSpPr>
-          <p:cNvPr id="2" name="标题 1"/>
-          <p:cNvSpPr>
-            <a:spLocks noGrp="1"/>
-          </p:cNvSpPr>
-          <p:nvPr>
-            <p:ph type="title"/>
-          </p:nvPr>
-        </p:nvSpPr>
-        <p:spPr/>
-        <p:txBody>
-          <a:bodyPr/>
-          <a:lstStyle/>
-          <a:p>
-            <a:pPr algn="ctr"/>
-            <a:r>
-              <a:rPr lang="zh-CN" altLang="en-US" dirty="0"/>
               <a:t>信息录入</a:t>
             </a:r>
           </a:p>
@@ -17807,7 +14734,7 @@
         </p:blipFill>
         <p:spPr>
           <a:xfrm>
-            <a:off x="3493611" y="828898"/>
+            <a:off x="3493611" y="662648"/>
             <a:ext cx="8249382" cy="1997429"/>
           </a:xfrm>
           <a:prstGeom prst="rect">
@@ -17817,7 +14744,7 @@
       </p:pic>
       <p:pic>
         <p:nvPicPr>
-          <p:cNvPr id="7" name="图片 6"/>
+          <p:cNvPr id="3" name="图片 2"/>
           <p:cNvPicPr>
             <a:picLocks noChangeAspect="1"/>
           </p:cNvPicPr>
@@ -17831,8 +14758,8 @@
         </p:blipFill>
         <p:spPr>
           <a:xfrm>
-            <a:off x="3513121" y="4552094"/>
-            <a:ext cx="8236485" cy="1423834"/>
+            <a:off x="3493060" y="2695011"/>
+            <a:ext cx="8250156" cy="1636848"/>
           </a:xfrm>
           <a:prstGeom prst="rect">
             <a:avLst/>
@@ -17841,7 +14768,7 @@
       </p:pic>
       <p:pic>
         <p:nvPicPr>
-          <p:cNvPr id="11" name="图片 10"/>
+          <p:cNvPr id="6" name="图片 5"/>
           <p:cNvPicPr>
             <a:picLocks noChangeAspect="1"/>
           </p:cNvPicPr>
@@ -17855,8 +14782,8 @@
         </p:blipFill>
         <p:spPr>
           <a:xfrm>
-            <a:off x="3501880" y="2920947"/>
-            <a:ext cx="8205412" cy="1364726"/>
+            <a:off x="3496654" y="4362861"/>
+            <a:ext cx="8261237" cy="1959696"/>
           </a:xfrm>
           <a:prstGeom prst="rect">
             <a:avLst/>
@@ -17879,7 +14806,7 @@
 </p:sld>
 </file>
 
-<file path=ppt/slides/slide8.xml><?xml version="1.0" encoding="utf-8"?>
+<file path=ppt/slides/slide7.xml><?xml version="1.0" encoding="utf-8"?>
 <p:sld xmlns:a="http://schemas.openxmlformats.org/drawingml/2006/main" xmlns:r="http://schemas.openxmlformats.org/officeDocument/2006/relationships" xmlns:p="http://schemas.openxmlformats.org/presentationml/2006/main">
   <p:cSld>
     <p:spTree>
@@ -18031,7 +14958,7 @@
 </p:sld>
 </file>
 
-<file path=ppt/slides/slide9.xml><?xml version="1.0" encoding="utf-8"?>
+<file path=ppt/slides/slide8.xml><?xml version="1.0" encoding="utf-8"?>
 <p:sld xmlns:a="http://schemas.openxmlformats.org/drawingml/2006/main" xmlns:r="http://schemas.openxmlformats.org/officeDocument/2006/relationships" xmlns:p="http://schemas.openxmlformats.org/presentationml/2006/main">
   <p:cSld>
     <p:spTree>
@@ -18194,6 +15121,210 @@
     <p:extLst>
       <p:ext uri="{BB962C8B-B14F-4D97-AF65-F5344CB8AC3E}">
         <p14:creationId xmlns:p14="http://schemas.microsoft.com/office/powerpoint/2010/main" val="297982576"/>
+      </p:ext>
+    </p:extLst>
+  </p:cSld>
+  <p:clrMapOvr>
+    <a:masterClrMapping/>
+  </p:clrMapOvr>
+  <p:transition spd="slow">
+    <p:cover/>
+  </p:transition>
+</p:sld>
+</file>
+
+<file path=ppt/slides/slide9.xml><?xml version="1.0" encoding="utf-8"?>
+<p:sld xmlns:a="http://schemas.openxmlformats.org/drawingml/2006/main" xmlns:r="http://schemas.openxmlformats.org/officeDocument/2006/relationships" xmlns:p="http://schemas.openxmlformats.org/presentationml/2006/main">
+  <p:cSld>
+    <p:spTree>
+      <p:nvGrpSpPr>
+        <p:cNvPr id="1" name=""/>
+        <p:cNvGrpSpPr/>
+        <p:nvPr/>
+      </p:nvGrpSpPr>
+      <p:grpSpPr>
+        <a:xfrm>
+          <a:off x="0" y="0"/>
+          <a:ext cx="0" cy="0"/>
+          <a:chOff x="0" y="0"/>
+          <a:chExt cx="0" cy="0"/>
+        </a:xfrm>
+      </p:grpSpPr>
+      <p:sp>
+        <p:nvSpPr>
+          <p:cNvPr id="2" name="标题 1"/>
+          <p:cNvSpPr>
+            <a:spLocks noGrp="1"/>
+          </p:cNvSpPr>
+          <p:nvPr>
+            <p:ph type="title"/>
+          </p:nvPr>
+        </p:nvSpPr>
+        <p:spPr/>
+        <p:txBody>
+          <a:bodyPr/>
+          <a:lstStyle/>
+          <a:p>
+            <a:pPr algn="ctr"/>
+            <a:r>
+              <a:rPr lang="zh-CN" altLang="en-US" dirty="0"/>
+              <a:t>模块设计</a:t>
+            </a:r>
+          </a:p>
+        </p:txBody>
+      </p:sp>
+      <p:sp>
+        <p:nvSpPr>
+          <p:cNvPr id="4" name="文本框 3"/>
+          <p:cNvSpPr txBox="1"/>
+          <p:nvPr/>
+        </p:nvSpPr>
+        <p:spPr>
+          <a:xfrm>
+            <a:off x="8719127" y="1182255"/>
+            <a:ext cx="1107996" cy="4247317"/>
+          </a:xfrm>
+          <a:prstGeom prst="rect">
+            <a:avLst/>
+          </a:prstGeom>
+          <a:noFill/>
+        </p:spPr>
+        <p:txBody>
+          <a:bodyPr wrap="none" rtlCol="0">
+            <a:spAutoFit/>
+          </a:bodyPr>
+          <a:lstStyle/>
+          <a:p>
+            <a:r>
+              <a:rPr lang="zh-CN" altLang="en-US" dirty="0"/>
+              <a:t>添加酒店</a:t>
+            </a:r>
+            <a:endParaRPr lang="en-US" altLang="zh-CN" dirty="0"/>
+          </a:p>
+          <a:p>
+            <a:r>
+              <a:rPr lang="zh-CN" altLang="en-US" dirty="0"/>
+              <a:t>删除酒店</a:t>
+            </a:r>
+            <a:endParaRPr lang="en-US" altLang="zh-CN" dirty="0"/>
+          </a:p>
+          <a:p>
+            <a:r>
+              <a:rPr lang="zh-CN" altLang="en-US" dirty="0"/>
+              <a:t>编辑酒店</a:t>
+            </a:r>
+            <a:endParaRPr lang="en-US" altLang="zh-CN" dirty="0"/>
+          </a:p>
+          <a:p>
+            <a:r>
+              <a:rPr lang="zh-CN" altLang="en-US" dirty="0"/>
+              <a:t>存储文件</a:t>
+            </a:r>
+            <a:endParaRPr lang="en-US" altLang="zh-CN" dirty="0"/>
+          </a:p>
+          <a:p>
+            <a:endParaRPr lang="en-US" altLang="zh-CN" dirty="0"/>
+          </a:p>
+          <a:p>
+            <a:endParaRPr lang="en-US" altLang="zh-CN" dirty="0"/>
+          </a:p>
+          <a:p>
+            <a:endParaRPr lang="en-US" altLang="zh-CN" dirty="0"/>
+          </a:p>
+          <a:p>
+            <a:endParaRPr lang="en-US" altLang="zh-CN" dirty="0"/>
+          </a:p>
+          <a:p>
+            <a:r>
+              <a:rPr lang="zh-CN" altLang="en-US" dirty="0"/>
+              <a:t>删除订单</a:t>
+            </a:r>
+            <a:endParaRPr lang="en-US" altLang="zh-CN" dirty="0"/>
+          </a:p>
+          <a:p>
+            <a:r>
+              <a:rPr lang="zh-CN" altLang="en-US" dirty="0"/>
+              <a:t>查找房间</a:t>
+            </a:r>
+            <a:endParaRPr lang="en-US" altLang="zh-CN" dirty="0"/>
+          </a:p>
+          <a:p>
+            <a:r>
+              <a:rPr lang="zh-CN" altLang="en-US" dirty="0"/>
+              <a:t>预定房间</a:t>
+            </a:r>
+            <a:endParaRPr lang="en-US" altLang="zh-CN" dirty="0"/>
+          </a:p>
+          <a:p>
+            <a:r>
+              <a:rPr lang="zh-CN" altLang="en-US" dirty="0"/>
+              <a:t>查看订单</a:t>
+            </a:r>
+            <a:endParaRPr lang="en-US" altLang="zh-CN" dirty="0"/>
+          </a:p>
+          <a:p>
+            <a:endParaRPr lang="en-US" altLang="zh-CN" dirty="0"/>
+          </a:p>
+          <a:p>
+            <a:endParaRPr lang="en-US" altLang="zh-CN" dirty="0"/>
+          </a:p>
+          <a:p>
+            <a:endParaRPr lang="en-US" altLang="zh-CN" dirty="0"/>
+          </a:p>
+        </p:txBody>
+      </p:sp>
+      <p:pic>
+        <p:nvPicPr>
+          <p:cNvPr id="5" name="图片 4"/>
+          <p:cNvPicPr>
+            <a:picLocks noChangeAspect="1"/>
+          </p:cNvPicPr>
+          <p:nvPr/>
+        </p:nvPicPr>
+        <p:blipFill>
+          <a:blip r:embed="rId2"/>
+          <a:stretch>
+            <a:fillRect/>
+          </a:stretch>
+        </p:blipFill>
+        <p:spPr>
+          <a:xfrm>
+            <a:off x="4108136" y="887210"/>
+            <a:ext cx="3975727" cy="1911408"/>
+          </a:xfrm>
+          <a:prstGeom prst="rect">
+            <a:avLst/>
+          </a:prstGeom>
+        </p:spPr>
+      </p:pic>
+      <p:pic>
+        <p:nvPicPr>
+          <p:cNvPr id="6" name="图片 5"/>
+          <p:cNvPicPr>
+            <a:picLocks noChangeAspect="1"/>
+          </p:cNvPicPr>
+          <p:nvPr/>
+        </p:nvPicPr>
+        <p:blipFill>
+          <a:blip r:embed="rId3"/>
+          <a:stretch>
+            <a:fillRect/>
+          </a:stretch>
+        </p:blipFill>
+        <p:spPr>
+          <a:xfrm>
+            <a:off x="4196460" y="3333715"/>
+            <a:ext cx="3199494" cy="1376831"/>
+          </a:xfrm>
+          <a:prstGeom prst="rect">
+            <a:avLst/>
+          </a:prstGeom>
+        </p:spPr>
+      </p:pic>
+    </p:spTree>
+    <p:extLst>
+      <p:ext uri="{BB962C8B-B14F-4D97-AF65-F5344CB8AC3E}">
+        <p14:creationId xmlns:p14="http://schemas.microsoft.com/office/powerpoint/2010/main" val="1517816113"/>
       </p:ext>
     </p:extLst>
   </p:cSld>
